--- a/Documents/SeniorDesignRequirementsP1.pptx
+++ b/Documents/SeniorDesignRequirementsP1.pptx
@@ -15,8 +15,8 @@
     <p:sldId id="260" r:id="rId6"/>
     <p:sldId id="261" r:id="rId7"/>
     <p:sldId id="262" r:id="rId8"/>
-    <p:sldId id="263" r:id="rId9"/>
-    <p:sldId id="266" r:id="rId10"/>
+    <p:sldId id="267" r:id="rId9"/>
+    <p:sldId id="263" r:id="rId10"/>
     <p:sldId id="264" r:id="rId11"/>
     <p:sldId id="265" r:id="rId12"/>
   </p:sldIdLst>
@@ -202,7 +202,8 @@
           <a:p>
             <a:fld id="{5AC5063D-32E8-6B44-B899-1C60BE1EE920}" type="datetimeFigureOut">
               <a:rPr lang="en-US" smtClean="0"/>
-              <a:t>9/13/15</a:t>
+              <a:pPr/>
+              <a:t>9/15/15</a:t>
             </a:fld>
             <a:endParaRPr lang="en-US"/>
           </a:p>
@@ -363,6 +364,7 @@
           <a:p>
             <a:fld id="{DEC75EC0-1928-B64E-AC2D-0EC8EF15485E}" type="slidenum">
               <a:rPr lang="en-US" smtClean="0"/>
+              <a:pPr/>
               <a:t>‹#›</a:t>
             </a:fld>
             <a:endParaRPr lang="en-US"/>
@@ -534,6 +536,7 @@
           <a:p>
             <a:fld id="{DEC75EC0-1928-B64E-AC2D-0EC8EF15485E}" type="slidenum">
               <a:rPr lang="en-US" smtClean="0"/>
+              <a:pPr/>
               <a:t>2</a:t>
             </a:fld>
             <a:endParaRPr lang="en-US"/>
@@ -859,7 +862,8 @@
           <a:p>
             <a:fld id="{4C5E565A-2BBA-CA42-A2D4-B495352A9CB5}" type="datetimeFigureOut">
               <a:rPr lang="en-US" smtClean="0"/>
-              <a:t>9/13/15</a:t>
+              <a:pPr/>
+              <a:t>9/15/15</a:t>
             </a:fld>
             <a:endParaRPr lang="en-US"/>
           </a:p>
@@ -939,6 +943,7 @@
           <a:p>
             <a:fld id="{23C0A9DC-78A5-F743-908C-3F9886F14BB5}" type="slidenum">
               <a:rPr lang="en-US" smtClean="0"/>
+              <a:pPr/>
               <a:t>‹#›</a:t>
             </a:fld>
             <a:endParaRPr lang="en-US"/>
@@ -1145,7 +1150,8 @@
           <a:p>
             <a:fld id="{4C5E565A-2BBA-CA42-A2D4-B495352A9CB5}" type="datetimeFigureOut">
               <a:rPr lang="en-US" smtClean="0"/>
-              <a:t>9/13/15</a:t>
+              <a:pPr/>
+              <a:t>9/15/15</a:t>
             </a:fld>
             <a:endParaRPr lang="en-US"/>
           </a:p>
@@ -1187,6 +1193,7 @@
           <a:p>
             <a:fld id="{23C0A9DC-78A5-F743-908C-3F9886F14BB5}" type="slidenum">
               <a:rPr lang="en-US" smtClean="0"/>
+              <a:pPr/>
               <a:t>‹#›</a:t>
             </a:fld>
             <a:endParaRPr lang="en-US"/>
@@ -1567,7 +1574,8 @@
           <a:p>
             <a:fld id="{4C5E565A-2BBA-CA42-A2D4-B495352A9CB5}" type="datetimeFigureOut">
               <a:rPr lang="en-US" smtClean="0"/>
-              <a:t>9/13/15</a:t>
+              <a:pPr/>
+              <a:t>9/15/15</a:t>
             </a:fld>
             <a:endParaRPr lang="en-US"/>
           </a:p>
@@ -1609,6 +1617,7 @@
           <a:p>
             <a:fld id="{23C0A9DC-78A5-F743-908C-3F9886F14BB5}" type="slidenum">
               <a:rPr lang="en-US" smtClean="0"/>
+              <a:pPr/>
               <a:t>‹#›</a:t>
             </a:fld>
             <a:endParaRPr lang="en-US"/>
@@ -1984,7 +1993,8 @@
           <a:p>
             <a:fld id="{4C5E565A-2BBA-CA42-A2D4-B495352A9CB5}" type="datetimeFigureOut">
               <a:rPr lang="en-US" smtClean="0"/>
-              <a:t>9/13/15</a:t>
+              <a:pPr/>
+              <a:t>9/15/15</a:t>
             </a:fld>
             <a:endParaRPr lang="en-US"/>
           </a:p>
@@ -2026,6 +2036,7 @@
           <a:p>
             <a:fld id="{23C0A9DC-78A5-F743-908C-3F9886F14BB5}" type="slidenum">
               <a:rPr lang="en-US" smtClean="0"/>
+              <a:pPr/>
               <a:t>‹#›</a:t>
             </a:fld>
             <a:endParaRPr lang="en-US"/>
@@ -2117,7 +2128,8 @@
           <a:p>
             <a:fld id="{4C5E565A-2BBA-CA42-A2D4-B495352A9CB5}" type="datetimeFigureOut">
               <a:rPr lang="en-US" smtClean="0"/>
-              <a:t>9/13/15</a:t>
+              <a:pPr/>
+              <a:t>9/15/15</a:t>
             </a:fld>
             <a:endParaRPr lang="en-US"/>
           </a:p>
@@ -2159,6 +2171,7 @@
           <a:p>
             <a:fld id="{23C0A9DC-78A5-F743-908C-3F9886F14BB5}" type="slidenum">
               <a:rPr lang="en-US" smtClean="0"/>
+              <a:pPr/>
               <a:t>‹#›</a:t>
             </a:fld>
             <a:endParaRPr lang="en-US"/>
@@ -2436,7 +2449,8 @@
           <a:p>
             <a:fld id="{4C5E565A-2BBA-CA42-A2D4-B495352A9CB5}" type="datetimeFigureOut">
               <a:rPr lang="en-US" smtClean="0"/>
-              <a:t>9/13/15</a:t>
+              <a:pPr/>
+              <a:t>9/15/15</a:t>
             </a:fld>
             <a:endParaRPr lang="en-US"/>
           </a:p>
@@ -2478,6 +2492,7 @@
           <a:p>
             <a:fld id="{23C0A9DC-78A5-F743-908C-3F9886F14BB5}" type="slidenum">
               <a:rPr lang="en-US" smtClean="0"/>
+              <a:pPr/>
               <a:t>‹#›</a:t>
             </a:fld>
             <a:endParaRPr lang="en-US"/>
@@ -2677,7 +2692,8 @@
           <a:p>
             <a:fld id="{4C5E565A-2BBA-CA42-A2D4-B495352A9CB5}" type="datetimeFigureOut">
               <a:rPr lang="en-US" smtClean="0"/>
-              <a:t>9/13/15</a:t>
+              <a:pPr/>
+              <a:t>9/15/15</a:t>
             </a:fld>
             <a:endParaRPr lang="en-US"/>
           </a:p>
@@ -2724,6 +2740,7 @@
           <a:p>
             <a:fld id="{23C0A9DC-78A5-F743-908C-3F9886F14BB5}" type="slidenum">
               <a:rPr lang="en-US" smtClean="0"/>
+              <a:pPr/>
               <a:t>‹#›</a:t>
             </a:fld>
             <a:endParaRPr lang="en-US"/>
@@ -3012,7 +3029,8 @@
           <a:p>
             <a:fld id="{4C5E565A-2BBA-CA42-A2D4-B495352A9CB5}" type="datetimeFigureOut">
               <a:rPr lang="en-US" smtClean="0"/>
-              <a:t>9/13/15</a:t>
+              <a:pPr/>
+              <a:t>9/15/15</a:t>
             </a:fld>
             <a:endParaRPr lang="en-US"/>
           </a:p>
@@ -3054,6 +3072,7 @@
           <a:p>
             <a:fld id="{23C0A9DC-78A5-F743-908C-3F9886F14BB5}" type="slidenum">
               <a:rPr lang="en-US" smtClean="0"/>
+              <a:pPr/>
               <a:t>‹#›</a:t>
             </a:fld>
             <a:endParaRPr lang="en-US"/>
@@ -3309,7 +3328,8 @@
           <a:p>
             <a:fld id="{4C5E565A-2BBA-CA42-A2D4-B495352A9CB5}" type="datetimeFigureOut">
               <a:rPr lang="en-US" smtClean="0"/>
-              <a:t>9/13/15</a:t>
+              <a:pPr/>
+              <a:t>9/15/15</a:t>
             </a:fld>
             <a:endParaRPr lang="en-US"/>
           </a:p>
@@ -3351,6 +3371,7 @@
           <a:p>
             <a:fld id="{23C0A9DC-78A5-F743-908C-3F9886F14BB5}" type="slidenum">
               <a:rPr lang="en-US" smtClean="0"/>
+              <a:pPr/>
               <a:t>‹#›</a:t>
             </a:fld>
             <a:endParaRPr lang="en-US"/>
@@ -3712,7 +3733,8 @@
           <a:p>
             <a:fld id="{4C5E565A-2BBA-CA42-A2D4-B495352A9CB5}" type="datetimeFigureOut">
               <a:rPr lang="en-US" smtClean="0"/>
-              <a:t>9/13/15</a:t>
+              <a:pPr/>
+              <a:t>9/15/15</a:t>
             </a:fld>
             <a:endParaRPr lang="en-US"/>
           </a:p>
@@ -3754,6 +3776,7 @@
           <a:p>
             <a:fld id="{23C0A9DC-78A5-F743-908C-3F9886F14BB5}" type="slidenum">
               <a:rPr lang="en-US" smtClean="0"/>
+              <a:pPr/>
               <a:t>‹#›</a:t>
             </a:fld>
             <a:endParaRPr lang="en-US"/>
@@ -3930,7 +3953,8 @@
           <a:p>
             <a:fld id="{4C5E565A-2BBA-CA42-A2D4-B495352A9CB5}" type="datetimeFigureOut">
               <a:rPr lang="en-US" smtClean="0"/>
-              <a:t>9/13/15</a:t>
+              <a:pPr/>
+              <a:t>9/15/15</a:t>
             </a:fld>
             <a:endParaRPr lang="en-US"/>
           </a:p>
@@ -3972,6 +3996,7 @@
           <a:p>
             <a:fld id="{23C0A9DC-78A5-F743-908C-3F9886F14BB5}" type="slidenum">
               <a:rPr lang="en-US" smtClean="0"/>
+              <a:pPr/>
               <a:t>‹#›</a:t>
             </a:fld>
             <a:endParaRPr lang="en-US"/>
@@ -4143,7 +4168,8 @@
           <a:p>
             <a:fld id="{4C5E565A-2BBA-CA42-A2D4-B495352A9CB5}" type="datetimeFigureOut">
               <a:rPr lang="en-US" smtClean="0"/>
-              <a:t>9/13/15</a:t>
+              <a:pPr/>
+              <a:t>9/15/15</a:t>
             </a:fld>
             <a:endParaRPr lang="en-US"/>
           </a:p>
@@ -4185,6 +4211,7 @@
           <a:p>
             <a:fld id="{23C0A9DC-78A5-F743-908C-3F9886F14BB5}" type="slidenum">
               <a:rPr lang="en-US" smtClean="0"/>
+              <a:pPr/>
               <a:t>‹#›</a:t>
             </a:fld>
             <a:endParaRPr lang="en-US"/>
@@ -4448,7 +4475,8 @@
           <a:p>
             <a:fld id="{4C5E565A-2BBA-CA42-A2D4-B495352A9CB5}" type="datetimeFigureOut">
               <a:rPr lang="en-US" smtClean="0"/>
-              <a:t>9/13/15</a:t>
+              <a:pPr/>
+              <a:t>9/15/15</a:t>
             </a:fld>
             <a:endParaRPr lang="en-US"/>
           </a:p>
@@ -4514,6 +4542,7 @@
           <a:p>
             <a:fld id="{23C0A9DC-78A5-F743-908C-3F9886F14BB5}" type="slidenum">
               <a:rPr lang="en-US" smtClean="0"/>
+              <a:pPr/>
               <a:t>‹#›</a:t>
             </a:fld>
             <a:endParaRPr lang="en-US"/>
@@ -4771,7 +4800,8 @@
           <a:p>
             <a:fld id="{4C5E565A-2BBA-CA42-A2D4-B495352A9CB5}" type="datetimeFigureOut">
               <a:rPr lang="en-US" smtClean="0"/>
-              <a:t>9/13/15</a:t>
+              <a:pPr/>
+              <a:t>9/15/15</a:t>
             </a:fld>
             <a:endParaRPr lang="en-US"/>
           </a:p>
@@ -4823,6 +4853,7 @@
           <a:p>
             <a:fld id="{23C0A9DC-78A5-F743-908C-3F9886F14BB5}" type="slidenum">
               <a:rPr lang="en-US" smtClean="0"/>
+              <a:pPr/>
               <a:t>‹#›</a:t>
             </a:fld>
             <a:endParaRPr lang="en-US"/>
@@ -5103,7 +5134,8 @@
           <a:p>
             <a:fld id="{4C5E565A-2BBA-CA42-A2D4-B495352A9CB5}" type="datetimeFigureOut">
               <a:rPr lang="en-US" smtClean="0"/>
-              <a:t>9/13/15</a:t>
+              <a:pPr/>
+              <a:t>9/15/15</a:t>
             </a:fld>
             <a:endParaRPr lang="en-US"/>
           </a:p>
@@ -5150,6 +5182,7 @@
           <a:p>
             <a:fld id="{23C0A9DC-78A5-F743-908C-3F9886F14BB5}" type="slidenum">
               <a:rPr lang="en-US" smtClean="0"/>
+              <a:pPr/>
               <a:t>‹#›</a:t>
             </a:fld>
             <a:endParaRPr lang="en-US"/>
@@ -5397,6 +5430,7 @@
           <a:p>
             <a:fld id="{23C0A9DC-78A5-F743-908C-3F9886F14BB5}" type="slidenum">
               <a:rPr lang="en-US" smtClean="0"/>
+              <a:pPr/>
               <a:t>‹#›</a:t>
             </a:fld>
             <a:endParaRPr lang="en-US"/>
@@ -5723,7 +5757,8 @@
           <a:p>
             <a:fld id="{4C5E565A-2BBA-CA42-A2D4-B495352A9CB5}" type="datetimeFigureOut">
               <a:rPr lang="en-US" smtClean="0"/>
-              <a:t>9/13/15</a:t>
+              <a:pPr/>
+              <a:t>9/15/15</a:t>
             </a:fld>
             <a:endParaRPr lang="en-US"/>
           </a:p>
@@ -5765,6 +5800,7 @@
           <a:p>
             <a:fld id="{23C0A9DC-78A5-F743-908C-3F9886F14BB5}" type="slidenum">
               <a:rPr lang="en-US" smtClean="0"/>
+              <a:pPr/>
               <a:t>‹#›</a:t>
             </a:fld>
             <a:endParaRPr lang="en-US"/>
@@ -6210,7 +6246,8 @@
           <a:p>
             <a:fld id="{4C5E565A-2BBA-CA42-A2D4-B495352A9CB5}" type="datetimeFigureOut">
               <a:rPr lang="en-US" smtClean="0"/>
-              <a:t>9/13/15</a:t>
+              <a:pPr/>
+              <a:t>9/15/15</a:t>
             </a:fld>
             <a:endParaRPr lang="en-US"/>
           </a:p>
@@ -6252,6 +6289,7 @@
           <a:p>
             <a:fld id="{23C0A9DC-78A5-F743-908C-3F9886F14BB5}" type="slidenum">
               <a:rPr lang="en-US" smtClean="0"/>
+              <a:pPr/>
               <a:t>‹#›</a:t>
             </a:fld>
             <a:endParaRPr lang="en-US"/>
@@ -6458,7 +6496,8 @@
           <a:p>
             <a:fld id="{4C5E565A-2BBA-CA42-A2D4-B495352A9CB5}" type="datetimeFigureOut">
               <a:rPr lang="en-US" smtClean="0"/>
-              <a:t>9/13/15</a:t>
+              <a:pPr/>
+              <a:t>9/15/15</a:t>
             </a:fld>
             <a:endParaRPr lang="en-US"/>
           </a:p>
@@ -6500,6 +6539,7 @@
           <a:p>
             <a:fld id="{23C0A9DC-78A5-F743-908C-3F9886F14BB5}" type="slidenum">
               <a:rPr lang="en-US" smtClean="0"/>
+              <a:pPr/>
               <a:t>‹#›</a:t>
             </a:fld>
             <a:endParaRPr lang="en-US"/>
@@ -6754,7 +6794,8 @@
           <a:p>
             <a:fld id="{4C5E565A-2BBA-CA42-A2D4-B495352A9CB5}" type="datetimeFigureOut">
               <a:rPr lang="en-US" smtClean="0"/>
-              <a:t>9/13/15</a:t>
+              <a:pPr/>
+              <a:t>9/15/15</a:t>
             </a:fld>
             <a:endParaRPr lang="en-US"/>
           </a:p>
@@ -6831,6 +6872,7 @@
           <a:p>
             <a:fld id="{23C0A9DC-78A5-F743-908C-3F9886F14BB5}" type="slidenum">
               <a:rPr lang="en-US" smtClean="0"/>
+              <a:pPr/>
               <a:t>‹#›</a:t>
             </a:fld>
             <a:endParaRPr lang="en-US"/>
@@ -7252,6 +7294,13 @@
   <p:clrMapOvr>
     <a:masterClrMapping/>
   </p:clrMapOvr>
+  <p:timing>
+    <p:tnLst>
+      <p:par>
+        <p:cTn id="1" dur="indefinite" restart="never" nodeType="tmRoot"/>
+      </p:par>
+    </p:tnLst>
+  </p:timing>
 </p:sld>
 </file>
 
@@ -7312,7 +7361,13 @@
           <a:p>
             <a:r>
               <a:rPr lang="en-US" dirty="0" smtClean="0"/>
-              <a:t>Student falsely update final grades</a:t>
+              <a:t>Student update final grades into the database with false information </a:t>
+            </a:r>
+          </a:p>
+          <a:p>
+            <a:r>
+              <a:rPr lang="en-US" dirty="0" smtClean="0"/>
+              <a:t>Gathering and storing all the data collected in a way that will allow us to provide useful statistics to the user very quickly and in real time. </a:t>
             </a:r>
           </a:p>
         </p:txBody>
@@ -7384,35 +7439,7 @@
           <a:p>
             <a:r>
               <a:rPr lang="en-US" dirty="0" smtClean="0"/>
-              <a:t>We will use all the grades and </a:t>
-            </a:r>
-            <a:r>
-              <a:rPr lang="en-US" dirty="0" smtClean="0"/>
-              <a:t>profiles</a:t>
-            </a:r>
-            <a:r>
-              <a:rPr lang="en-US" dirty="0" smtClean="0"/>
-              <a:t> </a:t>
-            </a:r>
-            <a:r>
-              <a:rPr lang="en-US" dirty="0" smtClean="0"/>
-              <a:t>created </a:t>
-            </a:r>
-            <a:r>
-              <a:rPr lang="en-US" dirty="0" smtClean="0"/>
-              <a:t>to create a database of anonymous</a:t>
-            </a:r>
-            <a:r>
-              <a:rPr lang="en-US" dirty="0" smtClean="0"/>
-              <a:t> grades </a:t>
-            </a:r>
-            <a:r>
-              <a:rPr lang="en-US" dirty="0" smtClean="0"/>
-              <a:t>and their associated </a:t>
-            </a:r>
-            <a:r>
-              <a:rPr lang="en-US" dirty="0" smtClean="0"/>
-              <a:t>professors</a:t>
+              <a:t>We will use all the grades and profiles created to create a database of anonymous grades and their associated professors</a:t>
             </a:r>
           </a:p>
           <a:p>
@@ -7424,43 +7451,7 @@
           <a:p>
             <a:r>
               <a:rPr lang="en-US" dirty="0" smtClean="0"/>
-              <a:t>We are planning on doing this for only </a:t>
-            </a:r>
-            <a:r>
-              <a:rPr lang="en-US" dirty="0" smtClean="0"/>
-              <a:t>UA</a:t>
-            </a:r>
-            <a:r>
-              <a:rPr lang="en-US" dirty="0" smtClean="0"/>
-              <a:t> </a:t>
-            </a:r>
-            <a:r>
-              <a:rPr lang="en-US" dirty="0" smtClean="0"/>
-              <a:t>students</a:t>
-            </a:r>
-            <a:r>
-              <a:rPr lang="en-US" dirty="0" smtClean="0"/>
-              <a:t>, however to expand this to other</a:t>
-            </a:r>
-            <a:r>
-              <a:rPr lang="en-US" dirty="0" smtClean="0"/>
-              <a:t> colleges </a:t>
-            </a:r>
-            <a:r>
-              <a:rPr lang="en-US" dirty="0" smtClean="0"/>
-              <a:t>would simply require </a:t>
-            </a:r>
-            <a:r>
-              <a:rPr lang="en-US" dirty="0" smtClean="0"/>
-              <a:t>additional</a:t>
-            </a:r>
-            <a:r>
-              <a:rPr lang="en-US" dirty="0" smtClean="0"/>
-              <a:t> </a:t>
-            </a:r>
-            <a:r>
-              <a:rPr lang="en-US" dirty="0" smtClean="0"/>
-              <a:t>databases</a:t>
+              <a:t>We are planning on doing this for only UA students, however to expand this to other colleges would simply require additional databases</a:t>
             </a:r>
             <a:endParaRPr lang="en-US" dirty="0"/>
           </a:p>
@@ -7703,6 +7694,13 @@
   <p:clrMapOvr>
     <a:masterClrMapping/>
   </p:clrMapOvr>
+  <p:timing>
+    <p:tnLst>
+      <p:par>
+        <p:cTn id="1" dur="indefinite" restart="never" nodeType="tmRoot"/>
+      </p:par>
+    </p:tnLst>
+  </p:timing>
 </p:sld>
 </file>
 
@@ -7745,7 +7743,7 @@
           <a:p>
             <a:r>
               <a:rPr lang="en-US" sz="3600" dirty="0" smtClean="0"/>
-              <a:t>Scope of System</a:t>
+              <a:t>Scope</a:t>
             </a:r>
             <a:endParaRPr lang="en-US" sz="3600" dirty="0"/>
           </a:p>
@@ -7787,26 +7785,49 @@
         </p:nvSpPr>
         <p:spPr/>
         <p:txBody>
-          <a:bodyPr/>
+          <a:bodyPr>
+            <a:normAutofit/>
+          </a:bodyPr>
           <a:lstStyle/>
           <a:p>
             <a:pPr algn="ctr"/>
             <a:r>
               <a:rPr lang="en-US" sz="2400" dirty="0" smtClean="0"/>
-              <a:t>Drop </a:t>
+              <a:t>Our goal for th</a:t>
             </a:r>
             <a:r>
               <a:rPr lang="en-US" sz="2400" dirty="0" smtClean="0"/>
-              <a:t>Grade will benefit all the the University of Alabama students who are enrolled and have a </a:t>
+              <a:t>e semester is to develop the </a:t>
             </a:r>
             <a:r>
               <a:rPr lang="en-US" sz="2400" dirty="0" err="1" smtClean="0"/>
-              <a:t>crimson.ua.edu</a:t>
+              <a:t>DropGrade</a:t>
             </a:r>
             <a:r>
               <a:rPr lang="en-US" sz="2400" dirty="0" smtClean="0"/>
-              <a:t> email address</a:t>
-            </a:r>
+              <a:t> app that will </a:t>
+            </a:r>
+            <a:r>
+              <a:rPr lang="en-US" sz="2400" dirty="0" smtClean="0"/>
+              <a:t>benefit all</a:t>
+            </a:r>
+            <a:r>
+              <a:rPr lang="en-US" sz="2400" dirty="0" smtClean="0"/>
+              <a:t> The </a:t>
+            </a:r>
+            <a:r>
+              <a:rPr lang="en-US" sz="2400" dirty="0" smtClean="0"/>
+              <a:t>University of Alabama </a:t>
+            </a:r>
+            <a:r>
+              <a:rPr lang="en-US" sz="2400" dirty="0" smtClean="0"/>
+              <a:t>students and minimize the stresses of </a:t>
+            </a:r>
+            <a:r>
+              <a:rPr lang="en-US" sz="2400" dirty="0" smtClean="0"/>
+              <a:t>College</a:t>
+            </a:r>
+            <a:endParaRPr lang="en-US" sz="2400" dirty="0" smtClean="0"/>
           </a:p>
           <a:p>
             <a:endParaRPr lang="en-US" dirty="0"/>
@@ -7818,6 +7839,13 @@
   <p:clrMapOvr>
     <a:masterClrMapping/>
   </p:clrMapOvr>
+  <p:timing>
+    <p:tnLst>
+      <p:par>
+        <p:cTn id="1" dur="indefinite" restart="never" nodeType="tmRoot"/>
+      </p:par>
+    </p:tnLst>
+  </p:timing>
 </p:sld>
 </file>
 
@@ -7885,6 +7913,13 @@
   <p:clrMapOvr>
     <a:masterClrMapping/>
   </p:clrMapOvr>
+  <p:timing>
+    <p:tnLst>
+      <p:par>
+        <p:cTn id="1" dur="indefinite" restart="never" nodeType="tmRoot"/>
+      </p:par>
+    </p:tnLst>
+  </p:timing>
 </p:sld>
 </file>
 
@@ -7952,6 +7987,13 @@
   <p:clrMapOvr>
     <a:masterClrMapping/>
   </p:clrMapOvr>
+  <p:timing>
+    <p:tnLst>
+      <p:par>
+        <p:cTn id="1" dur="indefinite" restart="never" nodeType="tmRoot"/>
+      </p:par>
+    </p:tnLst>
+  </p:timing>
 </p:sld>
 </file>
 
@@ -7995,30 +8037,42 @@
           </a:p>
         </p:txBody>
       </p:sp>
-      <p:sp>
-        <p:nvSpPr>
-          <p:cNvPr id="3" name="Content Placeholder 2"/>
-          <p:cNvSpPr>
-            <a:spLocks noGrp="1"/>
-          </p:cNvSpPr>
+      <p:pic>
+        <p:nvPicPr>
+          <p:cNvPr id="4" name="Content Placeholder 3" descr="Screen Shot 2015-09-15 at 3.51.25 PM.png"/>
+          <p:cNvPicPr>
+            <a:picLocks noGrp="1" noChangeAspect="1"/>
+          </p:cNvPicPr>
           <p:nvPr>
             <p:ph idx="1"/>
           </p:nvPr>
-        </p:nvSpPr>
-        <p:spPr/>
-        <p:txBody>
-          <a:bodyPr/>
-          <a:lstStyle/>
-          <a:p>
-            <a:endParaRPr lang="en-US"/>
-          </a:p>
-        </p:txBody>
-      </p:sp>
+        </p:nvPicPr>
+        <p:blipFill>
+          <a:blip r:embed="rId2"/>
+          <a:srcRect l="-12636" r="-12636"/>
+          <a:stretch>
+            <a:fillRect/>
+          </a:stretch>
+        </p:blipFill>
+        <p:spPr>
+          <a:xfrm>
+            <a:off x="725701" y="2057399"/>
+            <a:ext cx="7477172" cy="4499327"/>
+          </a:xfrm>
+        </p:spPr>
+      </p:pic>
     </p:spTree>
   </p:cSld>
   <p:clrMapOvr>
     <a:masterClrMapping/>
   </p:clrMapOvr>
+  <p:timing>
+    <p:tnLst>
+      <p:par>
+        <p:cTn id="1" dur="indefinite" restart="never" nodeType="tmRoot"/>
+      </p:par>
+    </p:tnLst>
+  </p:timing>
 </p:sld>
 </file>
 
@@ -8123,7 +8177,7 @@
           <a:p>
             <a:r>
               <a:rPr lang="en-US" dirty="0" smtClean="0"/>
-              <a:t>Features	</a:t>
+              <a:t>Functional Requirements</a:t>
             </a:r>
             <a:endParaRPr lang="en-US" dirty="0"/>
           </a:p>
@@ -8131,17 +8185,17 @@
       </p:sp>
       <p:graphicFrame>
         <p:nvGraphicFramePr>
-          <p:cNvPr id="12" name="Content Placeholder 11"/>
+          <p:cNvPr id="4" name="Content Placeholder 3"/>
           <p:cNvGraphicFramePr>
             <a:graphicFrameLocks noGrp="1"/>
           </p:cNvGraphicFramePr>
           <p:nvPr>
-            <p:ph sz="half" idx="4294967295"/>
+            <p:ph idx="1"/>
           </p:nvPr>
         </p:nvGraphicFramePr>
         <p:xfrm>
-          <a:off x="457199" y="2461746"/>
-          <a:ext cx="6942660" cy="3571239"/>
+          <a:off x="457198" y="2257907"/>
+          <a:ext cx="7715932" cy="4206240"/>
         </p:xfrm>
         <a:graphic>
           <a:graphicData uri="http://schemas.openxmlformats.org/drawingml/2006/table">
@@ -8150,10 +8204,10 @@
                 <a:tableStyleId>{5C22544A-7EE6-4342-B048-85BDC9FD1C3A}</a:tableStyleId>
               </a:tblPr>
               <a:tblGrid>
-                <a:gridCol w="3471330"/>
-                <a:gridCol w="3471330"/>
+                <a:gridCol w="3857966"/>
+                <a:gridCol w="3857966"/>
               </a:tblGrid>
-              <a:tr h="0">
+              <a:tr h="271551">
                 <a:tc>
                   <a:txBody>
                     <a:bodyPr/>
@@ -8161,7 +8215,7 @@
                     <a:p>
                       <a:r>
                         <a:rPr lang="en-US" dirty="0" smtClean="0"/>
-                        <a:t>Required </a:t>
+                        <a:t>Functionality</a:t>
                       </a:r>
                       <a:endParaRPr lang="en-US" dirty="0"/>
                     </a:p>
@@ -8175,11 +8229,7 @@
                     <a:p>
                       <a:r>
                         <a:rPr lang="en-US" dirty="0" smtClean="0"/>
-                        <a:t>Priority</a:t>
-                      </a:r>
-                      <a:r>
-                        <a:rPr lang="en-US" baseline="0" dirty="0" smtClean="0"/>
-                        <a:t> </a:t>
+                        <a:t>Status</a:t>
                       </a:r>
                       <a:endParaRPr lang="en-US" dirty="0"/>
                     </a:p>
@@ -8187,7 +8237,7 @@
                   <a:tcPr/>
                 </a:tc>
               </a:tr>
-              <a:tr h="370840">
+              <a:tr h="271551">
                 <a:tc>
                   <a:txBody>
                     <a:bodyPr/>
@@ -8195,7 +8245,7 @@
                     <a:p>
                       <a:r>
                         <a:rPr lang="en-US" dirty="0" smtClean="0"/>
-                        <a:t>Ability for users to sign up with crimson email</a:t>
+                        <a:t>Create Account</a:t>
                       </a:r>
                       <a:endParaRPr lang="en-US" dirty="0"/>
                     </a:p>
@@ -8209,7 +8259,7 @@
                     <a:p>
                       <a:r>
                         <a:rPr lang="en-US" dirty="0" smtClean="0"/>
-                        <a:t>High</a:t>
+                        <a:t>Required</a:t>
                       </a:r>
                       <a:endParaRPr lang="en-US" dirty="0"/>
                     </a:p>
@@ -8217,38 +8267,7 @@
                   <a:tcPr/>
                 </a:tc>
               </a:tr>
-              <a:tr h="370840">
-                <a:tc>
-                  <a:txBody>
-                    <a:bodyPr/>
-                    <a:lstStyle/>
-                    <a:p>
-                      <a:pPr marL="0" marR="0" indent="0" algn="l" defTabSz="914400" rtl="0" eaLnBrk="1" fontAlgn="auto" latinLnBrk="0" hangingPunct="1">
-                        <a:lnSpc>
-                          <a:spcPct val="100000"/>
-                        </a:lnSpc>
-                        <a:spcBef>
-                          <a:spcPts val="0"/>
-                        </a:spcBef>
-                        <a:spcAft>
-                          <a:spcPts val="0"/>
-                        </a:spcAft>
-                        <a:buClrTx/>
-                        <a:buSzTx/>
-                        <a:buFontTx/>
-                        <a:buNone/>
-                        <a:tabLst/>
-                        <a:defRPr/>
-                      </a:pPr>
-                      <a:r>
-                        <a:rPr lang="en-US" baseline="0" dirty="0" smtClean="0"/>
-                        <a:t>Ability for users to set up profiles for each class </a:t>
-                      </a:r>
-                      <a:endParaRPr lang="en-US" dirty="0" smtClean="0"/>
-                    </a:p>
-                  </a:txBody>
-                  <a:tcPr/>
-                </a:tc>
+              <a:tr h="271551">
                 <a:tc>
                   <a:txBody>
                     <a:bodyPr/>
@@ -8256,27 +8275,7 @@
                     <a:p>
                       <a:r>
                         <a:rPr lang="en-US" dirty="0" smtClean="0"/>
-                        <a:t>High</a:t>
-                      </a:r>
-                      <a:endParaRPr lang="en-US" dirty="0"/>
-                    </a:p>
-                  </a:txBody>
-                  <a:tcPr/>
-                </a:tc>
-              </a:tr>
-              <a:tr h="370840">
-                <a:tc>
-                  <a:txBody>
-                    <a:bodyPr/>
-                    <a:lstStyle/>
-                    <a:p>
-                      <a:r>
-                        <a:rPr lang="en-US" dirty="0" smtClean="0"/>
-                        <a:t>Ability users to</a:t>
-                      </a:r>
-                      <a:r>
-                        <a:rPr lang="en-US" baseline="0" dirty="0" smtClean="0"/>
-                        <a:t> input syllabuses for each class </a:t>
+                        <a:t>Log In </a:t>
                       </a:r>
                       <a:endParaRPr lang="en-US" dirty="0"/>
                     </a:p>
@@ -8290,7 +8289,7 @@
                     <a:p>
                       <a:r>
                         <a:rPr lang="en-US" dirty="0" smtClean="0"/>
-                        <a:t>High</a:t>
+                        <a:t>Required</a:t>
                       </a:r>
                       <a:endParaRPr lang="en-US" dirty="0"/>
                     </a:p>
@@ -8298,7 +8297,7 @@
                   <a:tcPr/>
                 </a:tc>
               </a:tr>
-              <a:tr h="370840">
+              <a:tr h="271551">
                 <a:tc>
                   <a:txBody>
                     <a:bodyPr/>
@@ -8306,7 +8305,11 @@
                     <a:p>
                       <a:r>
                         <a:rPr lang="en-US" dirty="0" smtClean="0"/>
-                        <a:t>What if scenario</a:t>
+                        <a:t>Retrieve</a:t>
+                      </a:r>
+                      <a:r>
+                        <a:rPr lang="en-US" baseline="0" dirty="0" smtClean="0"/>
+                        <a:t> Password</a:t>
                       </a:r>
                       <a:endParaRPr lang="en-US" dirty="0"/>
                     </a:p>
@@ -8320,7 +8323,7 @@
                     <a:p>
                       <a:r>
                         <a:rPr lang="en-US" dirty="0" smtClean="0"/>
-                        <a:t>High</a:t>
+                        <a:t>Required</a:t>
                       </a:r>
                       <a:endParaRPr lang="en-US" dirty="0"/>
                     </a:p>
@@ -8328,7 +8331,7 @@
                   <a:tcPr/>
                 </a:tc>
               </a:tr>
-              <a:tr h="370840">
+              <a:tr h="271551">
                 <a:tc>
                   <a:txBody>
                     <a:bodyPr/>
@@ -8336,11 +8339,7 @@
                     <a:p>
                       <a:r>
                         <a:rPr lang="en-US" dirty="0" smtClean="0"/>
-                        <a:t>Allow</a:t>
-                      </a:r>
-                      <a:r>
-                        <a:rPr lang="en-US" baseline="0" dirty="0" smtClean="0"/>
-                        <a:t> users to select a teacher and view average grades</a:t>
+                        <a:t>Add Course</a:t>
                       </a:r>
                       <a:endParaRPr lang="en-US" dirty="0"/>
                     </a:p>
@@ -8354,7 +8353,169 @@
                     <a:p>
                       <a:r>
                         <a:rPr lang="en-US" dirty="0" smtClean="0"/>
-                        <a:t>High</a:t>
+                        <a:t>Required</a:t>
+                      </a:r>
+                      <a:endParaRPr lang="en-US" dirty="0"/>
+                    </a:p>
+                  </a:txBody>
+                  <a:tcPr/>
+                </a:tc>
+              </a:tr>
+              <a:tr h="271551">
+                <a:tc>
+                  <a:txBody>
+                    <a:bodyPr/>
+                    <a:lstStyle/>
+                    <a:p>
+                      <a:r>
+                        <a:rPr lang="en-US" dirty="0" smtClean="0"/>
+                        <a:t>Add Course Info</a:t>
+                      </a:r>
+                      <a:r>
+                        <a:rPr lang="en-US" baseline="0" dirty="0" smtClean="0"/>
+                        <a:t> </a:t>
+                      </a:r>
+                      <a:endParaRPr lang="en-US" dirty="0"/>
+                    </a:p>
+                  </a:txBody>
+                  <a:tcPr/>
+                </a:tc>
+                <a:tc>
+                  <a:txBody>
+                    <a:bodyPr/>
+                    <a:lstStyle/>
+                    <a:p>
+                      <a:r>
+                        <a:rPr lang="en-US" dirty="0" smtClean="0"/>
+                        <a:t>Required</a:t>
+                      </a:r>
+                      <a:endParaRPr lang="en-US" dirty="0"/>
+                    </a:p>
+                  </a:txBody>
+                  <a:tcPr/>
+                </a:tc>
+              </a:tr>
+              <a:tr h="271551">
+                <a:tc>
+                  <a:txBody>
+                    <a:bodyPr/>
+                    <a:lstStyle/>
+                    <a:p>
+                      <a:r>
+                        <a:rPr lang="en-US" dirty="0" smtClean="0"/>
+                        <a:t>Enter Grades</a:t>
+                      </a:r>
+                      <a:endParaRPr lang="en-US" dirty="0"/>
+                    </a:p>
+                  </a:txBody>
+                  <a:tcPr/>
+                </a:tc>
+                <a:tc>
+                  <a:txBody>
+                    <a:bodyPr/>
+                    <a:lstStyle/>
+                    <a:p>
+                      <a:r>
+                        <a:rPr lang="en-US" dirty="0" smtClean="0"/>
+                        <a:t>Required</a:t>
+                      </a:r>
+                      <a:endParaRPr lang="en-US" dirty="0"/>
+                    </a:p>
+                  </a:txBody>
+                  <a:tcPr/>
+                </a:tc>
+              </a:tr>
+              <a:tr h="271551">
+                <a:tc>
+                  <a:txBody>
+                    <a:bodyPr/>
+                    <a:lstStyle/>
+                    <a:p>
+                      <a:r>
+                        <a:rPr lang="en-US" dirty="0" smtClean="0"/>
+                        <a:t>Submit</a:t>
+                      </a:r>
+                      <a:r>
+                        <a:rPr lang="en-US" baseline="0" dirty="0" smtClean="0"/>
+                        <a:t> Final Grade</a:t>
+                      </a:r>
+                      <a:endParaRPr lang="en-US" dirty="0"/>
+                    </a:p>
+                  </a:txBody>
+                  <a:tcPr/>
+                </a:tc>
+                <a:tc>
+                  <a:txBody>
+                    <a:bodyPr/>
+                    <a:lstStyle/>
+                    <a:p>
+                      <a:r>
+                        <a:rPr lang="en-US" dirty="0" smtClean="0"/>
+                        <a:t>Required</a:t>
+                      </a:r>
+                      <a:endParaRPr lang="en-US" dirty="0"/>
+                    </a:p>
+                  </a:txBody>
+                  <a:tcPr/>
+                </a:tc>
+              </a:tr>
+              <a:tr h="475215">
+                <a:tc>
+                  <a:txBody>
+                    <a:bodyPr/>
+                    <a:lstStyle/>
+                    <a:p>
+                      <a:r>
+                        <a:rPr lang="en-US" dirty="0" smtClean="0"/>
+                        <a:t>Manipulate</a:t>
+                      </a:r>
+                      <a:r>
+                        <a:rPr lang="en-US" baseline="0" dirty="0" smtClean="0"/>
+                        <a:t> Final Grade via the What-If-View</a:t>
+                      </a:r>
+                      <a:endParaRPr lang="en-US" dirty="0"/>
+                    </a:p>
+                  </a:txBody>
+                  <a:tcPr/>
+                </a:tc>
+                <a:tc>
+                  <a:txBody>
+                    <a:bodyPr/>
+                    <a:lstStyle/>
+                    <a:p>
+                      <a:r>
+                        <a:rPr lang="en-US" dirty="0" smtClean="0"/>
+                        <a:t>Required</a:t>
+                      </a:r>
+                      <a:endParaRPr lang="en-US" dirty="0"/>
+                    </a:p>
+                  </a:txBody>
+                  <a:tcPr/>
+                </a:tc>
+              </a:tr>
+              <a:tr h="475215">
+                <a:tc>
+                  <a:txBody>
+                    <a:bodyPr/>
+                    <a:lstStyle/>
+                    <a:p>
+                      <a:r>
+                        <a:rPr lang="en-US" dirty="0" smtClean="0"/>
+                        <a:t>Export Data to an excel spreadsheet</a:t>
+                      </a:r>
+                      <a:endParaRPr lang="en-US" dirty="0"/>
+                    </a:p>
+                  </a:txBody>
+                  <a:tcPr/>
+                </a:tc>
+                <a:tc>
+                  <a:txBody>
+                    <a:bodyPr/>
+                    <a:lstStyle/>
+                    <a:p>
+                      <a:r>
+                        <a:rPr lang="en-US" dirty="0" smtClean="0"/>
+                        <a:t>Stretch</a:t>
                       </a:r>
                       <a:endParaRPr lang="en-US" dirty="0"/>
                     </a:p>
@@ -8408,7 +8569,7 @@
           <a:p>
             <a:r>
               <a:rPr lang="en-US" dirty="0" smtClean="0"/>
-              <a:t>Features Cont…</a:t>
+              <a:t>Functional Requirement Cont.	</a:t>
             </a:r>
             <a:endParaRPr lang="en-US" dirty="0"/>
           </a:p>
@@ -8416,15 +8577,17 @@
       </p:sp>
       <p:graphicFrame>
         <p:nvGraphicFramePr>
-          <p:cNvPr id="6" name="Content Placeholder 13"/>
+          <p:cNvPr id="12" name="Content Placeholder 11"/>
           <p:cNvGraphicFramePr>
-            <a:graphicFrameLocks/>
+            <a:graphicFrameLocks noGrp="1"/>
           </p:cNvGraphicFramePr>
-          <p:nvPr/>
+          <p:nvPr>
+            <p:ph sz="half" idx="4294967295"/>
+          </p:nvPr>
         </p:nvGraphicFramePr>
         <p:xfrm>
-          <a:off x="457199" y="4327655"/>
-          <a:ext cx="6096000" cy="1769640"/>
+          <a:off x="269067" y="2587185"/>
+          <a:ext cx="8358377" cy="1920239"/>
         </p:xfrm>
         <a:graphic>
           <a:graphicData uri="http://schemas.openxmlformats.org/drawingml/2006/table">
@@ -8433,9 +8596,10 @@
                 <a:tableStyleId>{5C22544A-7EE6-4342-B048-85BDC9FD1C3A}</a:tableStyleId>
               </a:tblPr>
               <a:tblGrid>
-                <a:gridCol w="6096000"/>
+                <a:gridCol w="3939452"/>
+                <a:gridCol w="4418925"/>
               </a:tblGrid>
-              <a:tr h="442410">
+              <a:tr h="263982">
                 <a:tc>
                   <a:txBody>
                     <a:bodyPr/>
@@ -8443,85 +8607,7 @@
                     <a:p>
                       <a:r>
                         <a:rPr lang="en-US" dirty="0" smtClean="0"/>
-                        <a:t>Future Work</a:t>
-                      </a:r>
-                      <a:endParaRPr lang="en-US" dirty="0"/>
-                    </a:p>
-                  </a:txBody>
-                  <a:tcPr/>
-                </a:tc>
-              </a:tr>
-              <a:tr h="442410">
-                <a:tc>
-                  <a:txBody>
-                    <a:bodyPr/>
-                    <a:lstStyle/>
-                    <a:p>
-                      <a:endParaRPr lang="en-US" dirty="0"/>
-                    </a:p>
-                  </a:txBody>
-                  <a:tcPr/>
-                </a:tc>
-              </a:tr>
-              <a:tr h="442410">
-                <a:tc>
-                  <a:txBody>
-                    <a:bodyPr/>
-                    <a:lstStyle/>
-                    <a:p>
-                      <a:endParaRPr lang="en-US" dirty="0"/>
-                    </a:p>
-                  </a:txBody>
-                  <a:tcPr/>
-                </a:tc>
-              </a:tr>
-              <a:tr h="442410">
-                <a:tc>
-                  <a:txBody>
-                    <a:bodyPr/>
-                    <a:lstStyle/>
-                    <a:p>
-                      <a:endParaRPr lang="en-US" dirty="0"/>
-                    </a:p>
-                  </a:txBody>
-                  <a:tcPr/>
-                </a:tc>
-              </a:tr>
-            </a:tbl>
-          </a:graphicData>
-        </a:graphic>
-      </p:graphicFrame>
-      <p:graphicFrame>
-        <p:nvGraphicFramePr>
-          <p:cNvPr id="7" name="Table 6"/>
-          <p:cNvGraphicFramePr>
-            <a:graphicFrameLocks noGrp="1"/>
-          </p:cNvGraphicFramePr>
-          <p:nvPr/>
-        </p:nvGraphicFramePr>
-        <p:xfrm>
-          <a:off x="457199" y="2247705"/>
-          <a:ext cx="6096000" cy="1010920"/>
-        </p:xfrm>
-        <a:graphic>
-          <a:graphicData uri="http://schemas.openxmlformats.org/drawingml/2006/table">
-            <a:tbl>
-              <a:tblPr firstRow="1" bandRow="1">
-                <a:tableStyleId>{5C22544A-7EE6-4342-B048-85BDC9FD1C3A}</a:tableStyleId>
-              </a:tblPr>
-              <a:tblGrid>
-                <a:gridCol w="3048000"/>
-                <a:gridCol w="3048000"/>
-              </a:tblGrid>
-              <a:tr h="370840">
-                <a:tc>
-                  <a:txBody>
-                    <a:bodyPr/>
-                    <a:lstStyle/>
-                    <a:p>
-                      <a:r>
-                        <a:rPr lang="en-US" dirty="0" smtClean="0"/>
-                        <a:t>Possible</a:t>
+                        <a:t>Functionality</a:t>
                       </a:r>
                       <a:endParaRPr lang="en-US" dirty="0"/>
                     </a:p>
@@ -8547,7 +8633,7 @@
                   <a:tcPr/>
                 </a:tc>
               </a:tr>
-              <a:tr h="370840">
+              <a:tr h="263982">
                 <a:tc>
                   <a:txBody>
                     <a:bodyPr/>
@@ -8555,11 +8641,11 @@
                     <a:p>
                       <a:r>
                         <a:rPr lang="en-US" dirty="0" smtClean="0"/>
-                        <a:t>Notify users to</a:t>
+                        <a:t>Send Reminders to user when</a:t>
                       </a:r>
                       <a:r>
                         <a:rPr lang="en-US" baseline="0" dirty="0" smtClean="0"/>
-                        <a:t> update their final grades</a:t>
+                        <a:t> they have an exam/ project/ assignment due</a:t>
                       </a:r>
                       <a:endParaRPr lang="en-US" dirty="0"/>
                     </a:p>
@@ -8573,7 +8659,58 @@
                     <a:p>
                       <a:r>
                         <a:rPr lang="en-US" dirty="0" smtClean="0"/>
-                        <a:t>Medium</a:t>
+                        <a:t>Stretch</a:t>
+                      </a:r>
+                      <a:endParaRPr lang="en-US" dirty="0"/>
+                    </a:p>
+                  </a:txBody>
+                  <a:tcPr/>
+                </a:tc>
+              </a:tr>
+              <a:tr h="263982">
+                <a:tc>
+                  <a:txBody>
+                    <a:bodyPr/>
+                    <a:lstStyle/>
+                    <a:p>
+                      <a:pPr marL="0" marR="0" indent="0" algn="l" defTabSz="914400" rtl="0" eaLnBrk="1" fontAlgn="auto" latinLnBrk="0" hangingPunct="1">
+                        <a:lnSpc>
+                          <a:spcPct val="100000"/>
+                        </a:lnSpc>
+                        <a:spcBef>
+                          <a:spcPts val="0"/>
+                        </a:spcBef>
+                        <a:spcAft>
+                          <a:spcPts val="0"/>
+                        </a:spcAft>
+                        <a:buClrTx/>
+                        <a:buSzTx/>
+                        <a:buFontTx/>
+                        <a:buNone/>
+                        <a:tabLst/>
+                        <a:defRPr/>
+                      </a:pPr>
+                      <a:r>
+                        <a:rPr lang="en-US" dirty="0" smtClean="0"/>
+                        <a:t>Store</a:t>
+                      </a:r>
+                      <a:r>
+                        <a:rPr lang="en-US" baseline="0" dirty="0" smtClean="0"/>
+                        <a:t> course information (including grade scale</a:t>
+                      </a:r>
+                      <a:endParaRPr lang="en-US" dirty="0" smtClean="0"/>
+                    </a:p>
+                  </a:txBody>
+                  <a:tcPr/>
+                </a:tc>
+                <a:tc>
+                  <a:txBody>
+                    <a:bodyPr/>
+                    <a:lstStyle/>
+                    <a:p>
+                      <a:r>
+                        <a:rPr lang="en-US" dirty="0" smtClean="0"/>
+                        <a:t>Stretch</a:t>
                       </a:r>
                       <a:endParaRPr lang="en-US" dirty="0"/>
                     </a:p>

--- a/Documents/SeniorDesignRequirementsP1.pptx
+++ b/Documents/SeniorDesignRequirementsP1.pptx
@@ -5,20 +5,23 @@
     <p:sldMasterId id="2147483660" r:id="rId1"/>
   </p:sldMasterIdLst>
   <p:notesMasterIdLst>
-    <p:notesMasterId r:id="rId13"/>
+    <p:notesMasterId r:id="rId16"/>
   </p:notesMasterIdLst>
   <p:sldIdLst>
     <p:sldId id="256" r:id="rId2"/>
     <p:sldId id="257" r:id="rId3"/>
     <p:sldId id="258" r:id="rId4"/>
-    <p:sldId id="259" r:id="rId5"/>
-    <p:sldId id="260" r:id="rId6"/>
+    <p:sldId id="272" r:id="rId5"/>
+    <p:sldId id="259" r:id="rId6"/>
     <p:sldId id="261" r:id="rId7"/>
     <p:sldId id="262" r:id="rId8"/>
-    <p:sldId id="267" r:id="rId9"/>
-    <p:sldId id="263" r:id="rId10"/>
-    <p:sldId id="264" r:id="rId11"/>
-    <p:sldId id="265" r:id="rId12"/>
+    <p:sldId id="268" r:id="rId9"/>
+    <p:sldId id="269" r:id="rId10"/>
+    <p:sldId id="267" r:id="rId11"/>
+    <p:sldId id="263" r:id="rId12"/>
+    <p:sldId id="270" r:id="rId13"/>
+    <p:sldId id="264" r:id="rId14"/>
+    <p:sldId id="265" r:id="rId15"/>
   </p:sldIdLst>
   <p:sldSz cx="9144000" cy="6858000" type="screen4x3"/>
   <p:notesSz cx="6858000" cy="9144000"/>
@@ -538,6 +541,88 @@
               <a:rPr lang="en-US" smtClean="0"/>
               <a:pPr/>
               <a:t>2</a:t>
+            </a:fld>
+            <a:endParaRPr lang="en-US"/>
+          </a:p>
+        </p:txBody>
+      </p:sp>
+    </p:spTree>
+  </p:cSld>
+  <p:clrMapOvr>
+    <a:masterClrMapping/>
+  </p:clrMapOvr>
+</p:notes>
+</file>
+
+<file path=ppt/notesSlides/notesSlide2.xml><?xml version="1.0" encoding="utf-8"?>
+<p:notes xmlns:a="http://schemas.openxmlformats.org/drawingml/2006/main" xmlns:r="http://schemas.openxmlformats.org/officeDocument/2006/relationships" xmlns:mc="http://schemas.openxmlformats.org/markup-compatibility/2006" xmlns:mv="urn:schemas-microsoft-com:mac:vml" xmlns:p="http://schemas.openxmlformats.org/presentationml/2006/main" mc:Ignorable="mv" mc:PreserveAttributes="mv:*">
+  <p:cSld>
+    <p:spTree>
+      <p:nvGrpSpPr>
+        <p:cNvPr id="1" name=""/>
+        <p:cNvGrpSpPr/>
+        <p:nvPr/>
+      </p:nvGrpSpPr>
+      <p:grpSpPr>
+        <a:xfrm>
+          <a:off x="0" y="0"/>
+          <a:ext cx="0" cy="0"/>
+          <a:chOff x="0" y="0"/>
+          <a:chExt cx="0" cy="0"/>
+        </a:xfrm>
+      </p:grpSpPr>
+      <p:sp>
+        <p:nvSpPr>
+          <p:cNvPr id="2" name="Slide Image Placeholder 1"/>
+          <p:cNvSpPr>
+            <a:spLocks noGrp="1" noRot="1" noChangeAspect="1"/>
+          </p:cNvSpPr>
+          <p:nvPr>
+            <p:ph type="sldImg"/>
+          </p:nvPr>
+        </p:nvSpPr>
+        <p:spPr/>
+      </p:sp>
+      <p:sp>
+        <p:nvSpPr>
+          <p:cNvPr id="3" name="Notes Placeholder 2"/>
+          <p:cNvSpPr>
+            <a:spLocks noGrp="1"/>
+          </p:cNvSpPr>
+          <p:nvPr>
+            <p:ph type="body" idx="1"/>
+          </p:nvPr>
+        </p:nvSpPr>
+        <p:spPr/>
+        <p:txBody>
+          <a:bodyPr>
+            <a:normAutofit/>
+          </a:bodyPr>
+          <a:lstStyle/>
+          <a:p>
+            <a:endParaRPr lang="en-US" dirty="0"/>
+          </a:p>
+        </p:txBody>
+      </p:sp>
+      <p:sp>
+        <p:nvSpPr>
+          <p:cNvPr id="4" name="Slide Number Placeholder 3"/>
+          <p:cNvSpPr>
+            <a:spLocks noGrp="1"/>
+          </p:cNvSpPr>
+          <p:nvPr>
+            <p:ph type="sldNum" sz="quarter" idx="10"/>
+          </p:nvPr>
+        </p:nvSpPr>
+        <p:spPr/>
+        <p:txBody>
+          <a:bodyPr/>
+          <a:lstStyle/>
+          <a:p>
+            <a:fld id="{DEC75EC0-1928-B64E-AC2D-0EC8EF15485E}" type="slidenum">
+              <a:rPr lang="en-US" smtClean="0"/>
+              <a:pPr/>
+              <a:t>5</a:t>
             </a:fld>
             <a:endParaRPr lang="en-US"/>
           </a:p>
@@ -7323,845 +7408,6 @@
       </p:grpSpPr>
       <p:sp>
         <p:nvSpPr>
-          <p:cNvPr id="6" name="Title 5"/>
-          <p:cNvSpPr>
-            <a:spLocks noGrp="1"/>
-          </p:cNvSpPr>
-          <p:nvPr>
-            <p:ph type="title"/>
-          </p:nvPr>
-        </p:nvSpPr>
-        <p:spPr/>
-        <p:txBody>
-          <a:bodyPr/>
-          <a:lstStyle/>
-          <a:p>
-            <a:r>
-              <a:rPr lang="en-US" dirty="0" smtClean="0"/>
-              <a:t>Potential Risks </a:t>
-            </a:r>
-            <a:endParaRPr lang="en-US" dirty="0"/>
-          </a:p>
-        </p:txBody>
-      </p:sp>
-      <p:sp>
-        <p:nvSpPr>
-          <p:cNvPr id="7" name="Content Placeholder 6"/>
-          <p:cNvSpPr>
-            <a:spLocks noGrp="1"/>
-          </p:cNvSpPr>
-          <p:nvPr>
-            <p:ph idx="1"/>
-          </p:nvPr>
-        </p:nvSpPr>
-        <p:spPr/>
-        <p:txBody>
-          <a:bodyPr/>
-          <a:lstStyle/>
-          <a:p>
-            <a:r>
-              <a:rPr lang="en-US" dirty="0" smtClean="0"/>
-              <a:t>Student update final grades into the database with false information </a:t>
-            </a:r>
-          </a:p>
-          <a:p>
-            <a:r>
-              <a:rPr lang="en-US" dirty="0" smtClean="0"/>
-              <a:t>Gathering and storing all the data collected in a way that will allow us to provide useful statistics to the user very quickly and in real time. </a:t>
-            </a:r>
-          </a:p>
-        </p:txBody>
-      </p:sp>
-    </p:spTree>
-  </p:cSld>
-  <p:clrMapOvr>
-    <a:masterClrMapping/>
-  </p:clrMapOvr>
-</p:sld>
-</file>
-
-<file path=ppt/slides/slide11.xml><?xml version="1.0" encoding="utf-8"?>
-<p:sld xmlns:a="http://schemas.openxmlformats.org/drawingml/2006/main" xmlns:r="http://schemas.openxmlformats.org/officeDocument/2006/relationships" xmlns:mc="http://schemas.openxmlformats.org/markup-compatibility/2006" xmlns:mv="urn:schemas-microsoft-com:mac:vml" xmlns:p="http://schemas.openxmlformats.org/presentationml/2006/main" mc:Ignorable="mv" mc:PreserveAttributes="mv:*">
-  <p:cSld>
-    <p:spTree>
-      <p:nvGrpSpPr>
-        <p:cNvPr id="1" name=""/>
-        <p:cNvGrpSpPr/>
-        <p:nvPr/>
-      </p:nvGrpSpPr>
-      <p:grpSpPr>
-        <a:xfrm>
-          <a:off x="0" y="0"/>
-          <a:ext cx="0" cy="0"/>
-          <a:chOff x="0" y="0"/>
-          <a:chExt cx="0" cy="0"/>
-        </a:xfrm>
-      </p:grpSpPr>
-      <p:sp>
-        <p:nvSpPr>
-          <p:cNvPr id="2" name="Title 1"/>
-          <p:cNvSpPr>
-            <a:spLocks noGrp="1"/>
-          </p:cNvSpPr>
-          <p:nvPr>
-            <p:ph type="title"/>
-          </p:nvPr>
-        </p:nvSpPr>
-        <p:spPr/>
-        <p:txBody>
-          <a:bodyPr/>
-          <a:lstStyle/>
-          <a:p>
-            <a:r>
-              <a:rPr lang="en-US" dirty="0" smtClean="0"/>
-              <a:t>Summary discussion of Project</a:t>
-            </a:r>
-            <a:endParaRPr lang="en-US" dirty="0"/>
-          </a:p>
-        </p:txBody>
-      </p:sp>
-      <p:sp>
-        <p:nvSpPr>
-          <p:cNvPr id="3" name="Content Placeholder 2"/>
-          <p:cNvSpPr>
-            <a:spLocks noGrp="1"/>
-          </p:cNvSpPr>
-          <p:nvPr>
-            <p:ph idx="1"/>
-          </p:nvPr>
-        </p:nvSpPr>
-        <p:spPr/>
-        <p:txBody>
-          <a:bodyPr>
-            <a:normAutofit/>
-          </a:bodyPr>
-          <a:lstStyle/>
-          <a:p>
-            <a:r>
-              <a:rPr lang="en-US" dirty="0" smtClean="0"/>
-              <a:t>We will use all the grades and profiles created to create a database of anonymous grades and their associated professors</a:t>
-            </a:r>
-          </a:p>
-          <a:p>
-            <a:r>
-              <a:rPr lang="en-US" dirty="0" smtClean="0"/>
-              <a:t>The app will help assist students in deciding which professor to take</a:t>
-            </a:r>
-          </a:p>
-          <a:p>
-            <a:r>
-              <a:rPr lang="en-US" dirty="0" smtClean="0"/>
-              <a:t>We are planning on doing this for only UA students, however to expand this to other colleges would simply require additional databases</a:t>
-            </a:r>
-            <a:endParaRPr lang="en-US" dirty="0"/>
-          </a:p>
-        </p:txBody>
-      </p:sp>
-    </p:spTree>
-  </p:cSld>
-  <p:clrMapOvr>
-    <a:masterClrMapping/>
-  </p:clrMapOvr>
-</p:sld>
-</file>
-
-<file path=ppt/slides/slide2.xml><?xml version="1.0" encoding="utf-8"?>
-<p:sld xmlns:a="http://schemas.openxmlformats.org/drawingml/2006/main" xmlns:r="http://schemas.openxmlformats.org/officeDocument/2006/relationships" xmlns:mc="http://schemas.openxmlformats.org/markup-compatibility/2006" xmlns:mv="urn:schemas-microsoft-com:mac:vml" xmlns:p="http://schemas.openxmlformats.org/presentationml/2006/main" mc:Ignorable="mv" mc:PreserveAttributes="mv:*">
-  <p:cSld>
-    <p:spTree>
-      <p:nvGrpSpPr>
-        <p:cNvPr id="1" name=""/>
-        <p:cNvGrpSpPr/>
-        <p:nvPr/>
-      </p:nvGrpSpPr>
-      <p:grpSpPr>
-        <a:xfrm>
-          <a:off x="0" y="0"/>
-          <a:ext cx="0" cy="0"/>
-          <a:chOff x="0" y="0"/>
-          <a:chExt cx="0" cy="0"/>
-        </a:xfrm>
-      </p:grpSpPr>
-      <p:sp>
-        <p:nvSpPr>
-          <p:cNvPr id="2" name="Title 1"/>
-          <p:cNvSpPr>
-            <a:spLocks noGrp="1"/>
-          </p:cNvSpPr>
-          <p:nvPr>
-            <p:ph type="title"/>
-          </p:nvPr>
-        </p:nvSpPr>
-        <p:spPr/>
-        <p:txBody>
-          <a:bodyPr/>
-          <a:lstStyle/>
-          <a:p>
-            <a:r>
-              <a:rPr lang="en-US" smtClean="0"/>
-              <a:t>Why we are creating this app</a:t>
-            </a:r>
-            <a:endParaRPr lang="en-US" dirty="0"/>
-          </a:p>
-        </p:txBody>
-      </p:sp>
-      <p:sp>
-        <p:nvSpPr>
-          <p:cNvPr id="6" name="Text Placeholder 5"/>
-          <p:cNvSpPr>
-            <a:spLocks noGrp="1"/>
-          </p:cNvSpPr>
-          <p:nvPr>
-            <p:ph type="body" idx="1"/>
-          </p:nvPr>
-        </p:nvSpPr>
-        <p:spPr/>
-        <p:txBody>
-          <a:bodyPr/>
-          <a:lstStyle/>
-          <a:p>
-            <a:r>
-              <a:rPr lang="en-US" smtClean="0"/>
-              <a:t>Problem Definition</a:t>
-            </a:r>
-            <a:endParaRPr lang="en-US" dirty="0"/>
-          </a:p>
-        </p:txBody>
-      </p:sp>
-      <p:sp>
-        <p:nvSpPr>
-          <p:cNvPr id="3" name="Content Placeholder 2"/>
-          <p:cNvSpPr>
-            <a:spLocks noGrp="1"/>
-          </p:cNvSpPr>
-          <p:nvPr>
-            <p:ph sz="half" idx="2"/>
-          </p:nvPr>
-        </p:nvSpPr>
-        <p:spPr/>
-        <p:txBody>
-          <a:bodyPr/>
-          <a:lstStyle/>
-          <a:p>
-            <a:pPr algn="ctr">
-              <a:buNone/>
-            </a:pPr>
-            <a:r>
-              <a:rPr lang="en-US" dirty="0" smtClean="0"/>
-              <a:t>What can I make on my remaining tests/assignments to get an A in a class, given the grades that I’ve already made so far ?</a:t>
-            </a:r>
-          </a:p>
-          <a:p>
-            <a:pPr>
-              <a:buNone/>
-            </a:pPr>
-            <a:endParaRPr lang="en-US" dirty="0" smtClean="0"/>
-          </a:p>
-          <a:p>
-            <a:endParaRPr lang="en-US" dirty="0" smtClean="0"/>
-          </a:p>
-          <a:p>
-            <a:endParaRPr lang="en-US" dirty="0"/>
-          </a:p>
-        </p:txBody>
-      </p:sp>
-      <p:sp>
-        <p:nvSpPr>
-          <p:cNvPr id="24" name="Text Placeholder 23"/>
-          <p:cNvSpPr>
-            <a:spLocks noGrp="1"/>
-          </p:cNvSpPr>
-          <p:nvPr>
-            <p:ph type="body" sz="quarter" idx="3"/>
-          </p:nvPr>
-        </p:nvSpPr>
-        <p:spPr/>
-        <p:txBody>
-          <a:bodyPr/>
-          <a:lstStyle/>
-          <a:p>
-            <a:r>
-              <a:rPr lang="en-US" dirty="0" smtClean="0"/>
-              <a:t>Reason’s</a:t>
-            </a:r>
-            <a:endParaRPr lang="en-US" dirty="0"/>
-          </a:p>
-        </p:txBody>
-      </p:sp>
-      <p:pic>
-        <p:nvPicPr>
-          <p:cNvPr id="18" name="Content Placeholder 17" descr="17283070-Bored-and-Tired-Student-make-funny-grimace-Isolated-on-the-White-Background-Stock-Photo.jpg"/>
-          <p:cNvPicPr>
-            <a:picLocks noGrp="1" noChangeAspect="1"/>
-          </p:cNvPicPr>
-          <p:nvPr>
-            <p:ph sz="quarter" idx="4"/>
-          </p:nvPr>
-        </p:nvPicPr>
-        <p:blipFill>
-          <a:blip r:embed="rId3"/>
-          <a:srcRect t="-22351" b="-22351"/>
-          <a:stretch>
-            <a:fillRect/>
-          </a:stretch>
-        </p:blipFill>
-        <p:spPr>
-          <a:xfrm>
-            <a:off x="815239" y="3903244"/>
-            <a:ext cx="2805690" cy="2703877"/>
-          </a:xfrm>
-        </p:spPr>
-      </p:pic>
-      <p:sp>
-        <p:nvSpPr>
-          <p:cNvPr id="25" name="TextBox 24"/>
-          <p:cNvSpPr txBox="1"/>
-          <p:nvPr/>
-        </p:nvSpPr>
-        <p:spPr>
-          <a:xfrm>
-            <a:off x="4985498" y="2916462"/>
-            <a:ext cx="2860053" cy="3139321"/>
-          </a:xfrm>
-          <a:prstGeom prst="rect">
-            <a:avLst/>
-          </a:prstGeom>
-          <a:noFill/>
-        </p:spPr>
-        <p:txBody>
-          <a:bodyPr wrap="square" rtlCol="0">
-            <a:spAutoFit/>
-          </a:bodyPr>
-          <a:lstStyle/>
-          <a:p>
-            <a:pPr marL="342900" indent="-342900">
-              <a:buFont typeface="+mj-lt"/>
-              <a:buAutoNum type="arabicPeriod"/>
-            </a:pPr>
-            <a:r>
-              <a:rPr lang="en-US" dirty="0" smtClean="0"/>
-              <a:t>Help student’s manage work load throughout semester</a:t>
-            </a:r>
-          </a:p>
-          <a:p>
-            <a:pPr marL="342900" indent="-342900">
-              <a:buFont typeface="+mj-lt"/>
-              <a:buAutoNum type="arabicPeriod"/>
-            </a:pPr>
-            <a:r>
-              <a:rPr lang="en-US" dirty="0" smtClean="0"/>
-              <a:t>Scheduling classes easier for students</a:t>
-            </a:r>
-          </a:p>
-          <a:p>
-            <a:pPr marL="342900" indent="-342900">
-              <a:buFont typeface="+mj-lt"/>
-              <a:buAutoNum type="arabicPeriod"/>
-            </a:pPr>
-            <a:r>
-              <a:rPr lang="en-US" dirty="0" smtClean="0"/>
-              <a:t>No errors in calculations</a:t>
-            </a:r>
-          </a:p>
-          <a:p>
-            <a:pPr marL="342900" indent="-342900">
-              <a:buFont typeface="+mj-lt"/>
-              <a:buAutoNum type="arabicPeriod"/>
-            </a:pPr>
-            <a:r>
-              <a:rPr lang="en-US" dirty="0" smtClean="0"/>
-              <a:t>No more endless calculations </a:t>
-            </a:r>
-          </a:p>
-          <a:p>
-            <a:pPr marL="342900" indent="-342900">
-              <a:buFont typeface="+mj-lt"/>
-              <a:buAutoNum type="arabicPeriod"/>
-            </a:pPr>
-            <a:endParaRPr lang="en-US" dirty="0" smtClean="0"/>
-          </a:p>
-          <a:p>
-            <a:pPr marL="342900" indent="-342900">
-              <a:buFont typeface="+mj-lt"/>
-              <a:buAutoNum type="arabicPeriod"/>
-            </a:pPr>
-            <a:endParaRPr lang="en-US" dirty="0"/>
-          </a:p>
-        </p:txBody>
-      </p:sp>
-    </p:spTree>
-  </p:cSld>
-  <p:clrMapOvr>
-    <a:masterClrMapping/>
-  </p:clrMapOvr>
-  <p:timing>
-    <p:tnLst>
-      <p:par>
-        <p:cTn id="1" dur="indefinite" restart="never" nodeType="tmRoot"/>
-      </p:par>
-    </p:tnLst>
-  </p:timing>
-</p:sld>
-</file>
-
-<file path=ppt/slides/slide3.xml><?xml version="1.0" encoding="utf-8"?>
-<p:sld xmlns:a="http://schemas.openxmlformats.org/drawingml/2006/main" xmlns:r="http://schemas.openxmlformats.org/officeDocument/2006/relationships" xmlns:mc="http://schemas.openxmlformats.org/markup-compatibility/2006" xmlns:mv="urn:schemas-microsoft-com:mac:vml" xmlns:p="http://schemas.openxmlformats.org/presentationml/2006/main" mc:Ignorable="mv" mc:PreserveAttributes="mv:*">
-  <p:cSld>
-    <p:spTree>
-      <p:nvGrpSpPr>
-        <p:cNvPr id="1" name=""/>
-        <p:cNvGrpSpPr/>
-        <p:nvPr/>
-      </p:nvGrpSpPr>
-      <p:grpSpPr>
-        <a:xfrm>
-          <a:off x="0" y="0"/>
-          <a:ext cx="0" cy="0"/>
-          <a:chOff x="0" y="0"/>
-          <a:chExt cx="0" cy="0"/>
-        </a:xfrm>
-      </p:grpSpPr>
-      <p:sp>
-        <p:nvSpPr>
-          <p:cNvPr id="2" name="Title 1"/>
-          <p:cNvSpPr>
-            <a:spLocks noGrp="1"/>
-          </p:cNvSpPr>
-          <p:nvPr>
-            <p:ph type="title"/>
-          </p:nvPr>
-        </p:nvSpPr>
-        <p:spPr>
-          <a:xfrm>
-            <a:off x="237710" y="477370"/>
-            <a:ext cx="4167713" cy="1035424"/>
-          </a:xfrm>
-        </p:spPr>
-        <p:txBody>
-          <a:bodyPr/>
-          <a:lstStyle/>
-          <a:p>
-            <a:r>
-              <a:rPr lang="en-US" sz="3600" dirty="0" smtClean="0"/>
-              <a:t>Scope</a:t>
-            </a:r>
-            <a:endParaRPr lang="en-US" sz="3600" dirty="0"/>
-          </a:p>
-        </p:txBody>
-      </p:sp>
-      <p:pic>
-        <p:nvPicPr>
-          <p:cNvPr id="8" name="Content Placeholder 7" descr="98_1bryant_denny.jpg"/>
-          <p:cNvPicPr>
-            <a:picLocks noGrp="1" noChangeAspect="1"/>
-          </p:cNvPicPr>
-          <p:nvPr>
-            <p:ph idx="1"/>
-          </p:nvPr>
-        </p:nvPicPr>
-        <p:blipFill>
-          <a:blip r:embed="rId2"/>
-          <a:srcRect t="-58025" b="-58025"/>
-          <a:stretch>
-            <a:fillRect/>
-          </a:stretch>
-        </p:blipFill>
-        <p:spPr>
-          <a:xfrm>
-            <a:off x="4023359" y="-376318"/>
-            <a:ext cx="4831113" cy="6957199"/>
-          </a:xfrm>
-        </p:spPr>
-      </p:pic>
-      <p:sp>
-        <p:nvSpPr>
-          <p:cNvPr id="7" name="Text Placeholder 6"/>
-          <p:cNvSpPr>
-            <a:spLocks noGrp="1"/>
-          </p:cNvSpPr>
-          <p:nvPr>
-            <p:ph type="body" sz="half" idx="2"/>
-          </p:nvPr>
-        </p:nvSpPr>
-        <p:spPr/>
-        <p:txBody>
-          <a:bodyPr>
-            <a:normAutofit/>
-          </a:bodyPr>
-          <a:lstStyle/>
-          <a:p>
-            <a:pPr algn="ctr"/>
-            <a:r>
-              <a:rPr lang="en-US" sz="2400" dirty="0" smtClean="0"/>
-              <a:t>Our goal for th</a:t>
-            </a:r>
-            <a:r>
-              <a:rPr lang="en-US" sz="2400" dirty="0" smtClean="0"/>
-              <a:t>e semester is to develop the </a:t>
-            </a:r>
-            <a:r>
-              <a:rPr lang="en-US" sz="2400" dirty="0" err="1" smtClean="0"/>
-              <a:t>DropGrade</a:t>
-            </a:r>
-            <a:r>
-              <a:rPr lang="en-US" sz="2400" dirty="0" smtClean="0"/>
-              <a:t> app that will </a:t>
-            </a:r>
-            <a:r>
-              <a:rPr lang="en-US" sz="2400" dirty="0" smtClean="0"/>
-              <a:t>benefit all</a:t>
-            </a:r>
-            <a:r>
-              <a:rPr lang="en-US" sz="2400" dirty="0" smtClean="0"/>
-              <a:t> The </a:t>
-            </a:r>
-            <a:r>
-              <a:rPr lang="en-US" sz="2400" dirty="0" smtClean="0"/>
-              <a:t>University of Alabama </a:t>
-            </a:r>
-            <a:r>
-              <a:rPr lang="en-US" sz="2400" dirty="0" smtClean="0"/>
-              <a:t>students and minimize the stresses of </a:t>
-            </a:r>
-            <a:r>
-              <a:rPr lang="en-US" sz="2400" dirty="0" smtClean="0"/>
-              <a:t>College</a:t>
-            </a:r>
-            <a:endParaRPr lang="en-US" sz="2400" dirty="0" smtClean="0"/>
-          </a:p>
-          <a:p>
-            <a:endParaRPr lang="en-US" dirty="0"/>
-          </a:p>
-        </p:txBody>
-      </p:sp>
-    </p:spTree>
-  </p:cSld>
-  <p:clrMapOvr>
-    <a:masterClrMapping/>
-  </p:clrMapOvr>
-  <p:timing>
-    <p:tnLst>
-      <p:par>
-        <p:cTn id="1" dur="indefinite" restart="never" nodeType="tmRoot"/>
-      </p:par>
-    </p:tnLst>
-  </p:timing>
-</p:sld>
-</file>
-
-<file path=ppt/slides/slide4.xml><?xml version="1.0" encoding="utf-8"?>
-<p:sld xmlns:a="http://schemas.openxmlformats.org/drawingml/2006/main" xmlns:r="http://schemas.openxmlformats.org/officeDocument/2006/relationships" xmlns:mc="http://schemas.openxmlformats.org/markup-compatibility/2006" xmlns:mv="urn:schemas-microsoft-com:mac:vml" xmlns:p="http://schemas.openxmlformats.org/presentationml/2006/main" mc:Ignorable="mv" mc:PreserveAttributes="mv:*">
-  <p:cSld>
-    <p:spTree>
-      <p:nvGrpSpPr>
-        <p:cNvPr id="1" name=""/>
-        <p:cNvGrpSpPr/>
-        <p:nvPr/>
-      </p:nvGrpSpPr>
-      <p:grpSpPr>
-        <a:xfrm>
-          <a:off x="0" y="0"/>
-          <a:ext cx="0" cy="0"/>
-          <a:chOff x="0" y="0"/>
-          <a:chExt cx="0" cy="0"/>
-        </a:xfrm>
-      </p:grpSpPr>
-      <p:sp>
-        <p:nvSpPr>
-          <p:cNvPr id="2" name="Title 1"/>
-          <p:cNvSpPr>
-            <a:spLocks noGrp="1"/>
-          </p:cNvSpPr>
-          <p:nvPr>
-            <p:ph type="title"/>
-          </p:nvPr>
-        </p:nvSpPr>
-        <p:spPr/>
-        <p:txBody>
-          <a:bodyPr/>
-          <a:lstStyle/>
-          <a:p>
-            <a:r>
-              <a:rPr lang="en-US" dirty="0" smtClean="0"/>
-              <a:t>Use Case Diagrams…</a:t>
-            </a:r>
-            <a:endParaRPr lang="en-US" dirty="0"/>
-          </a:p>
-        </p:txBody>
-      </p:sp>
-      <p:sp>
-        <p:nvSpPr>
-          <p:cNvPr id="3" name="Content Placeholder 2"/>
-          <p:cNvSpPr>
-            <a:spLocks noGrp="1"/>
-          </p:cNvSpPr>
-          <p:nvPr>
-            <p:ph idx="1"/>
-          </p:nvPr>
-        </p:nvSpPr>
-        <p:spPr/>
-        <p:txBody>
-          <a:bodyPr/>
-          <a:lstStyle/>
-          <a:p>
-            <a:endParaRPr lang="en-US"/>
-          </a:p>
-        </p:txBody>
-      </p:sp>
-    </p:spTree>
-  </p:cSld>
-  <p:clrMapOvr>
-    <a:masterClrMapping/>
-  </p:clrMapOvr>
-  <p:timing>
-    <p:tnLst>
-      <p:par>
-        <p:cTn id="1" dur="indefinite" restart="never" nodeType="tmRoot"/>
-      </p:par>
-    </p:tnLst>
-  </p:timing>
-</p:sld>
-</file>
-
-<file path=ppt/slides/slide5.xml><?xml version="1.0" encoding="utf-8"?>
-<p:sld xmlns:a="http://schemas.openxmlformats.org/drawingml/2006/main" xmlns:r="http://schemas.openxmlformats.org/officeDocument/2006/relationships" xmlns:mc="http://schemas.openxmlformats.org/markup-compatibility/2006" xmlns:mv="urn:schemas-microsoft-com:mac:vml" xmlns:p="http://schemas.openxmlformats.org/presentationml/2006/main" mc:Ignorable="mv" mc:PreserveAttributes="mv:*">
-  <p:cSld>
-    <p:spTree>
-      <p:nvGrpSpPr>
-        <p:cNvPr id="1" name=""/>
-        <p:cNvGrpSpPr/>
-        <p:nvPr/>
-      </p:nvGrpSpPr>
-      <p:grpSpPr>
-        <a:xfrm>
-          <a:off x="0" y="0"/>
-          <a:ext cx="0" cy="0"/>
-          <a:chOff x="0" y="0"/>
-          <a:chExt cx="0" cy="0"/>
-        </a:xfrm>
-      </p:grpSpPr>
-      <p:sp>
-        <p:nvSpPr>
-          <p:cNvPr id="2" name="Title 1"/>
-          <p:cNvSpPr>
-            <a:spLocks noGrp="1"/>
-          </p:cNvSpPr>
-          <p:nvPr>
-            <p:ph type="title"/>
-          </p:nvPr>
-        </p:nvSpPr>
-        <p:spPr/>
-        <p:txBody>
-          <a:bodyPr/>
-          <a:lstStyle/>
-          <a:p>
-            <a:r>
-              <a:rPr lang="en-US" dirty="0" smtClean="0"/>
-              <a:t>Use Case Diagrams Cont…</a:t>
-            </a:r>
-            <a:endParaRPr lang="en-US" dirty="0"/>
-          </a:p>
-        </p:txBody>
-      </p:sp>
-      <p:sp>
-        <p:nvSpPr>
-          <p:cNvPr id="3" name="Content Placeholder 2"/>
-          <p:cNvSpPr>
-            <a:spLocks noGrp="1"/>
-          </p:cNvSpPr>
-          <p:nvPr>
-            <p:ph idx="1"/>
-          </p:nvPr>
-        </p:nvSpPr>
-        <p:spPr/>
-        <p:txBody>
-          <a:bodyPr/>
-          <a:lstStyle/>
-          <a:p>
-            <a:endParaRPr lang="en-US"/>
-          </a:p>
-        </p:txBody>
-      </p:sp>
-    </p:spTree>
-  </p:cSld>
-  <p:clrMapOvr>
-    <a:masterClrMapping/>
-  </p:clrMapOvr>
-  <p:timing>
-    <p:tnLst>
-      <p:par>
-        <p:cTn id="1" dur="indefinite" restart="never" nodeType="tmRoot"/>
-      </p:par>
-    </p:tnLst>
-  </p:timing>
-</p:sld>
-</file>
-
-<file path=ppt/slides/slide6.xml><?xml version="1.0" encoding="utf-8"?>
-<p:sld xmlns:a="http://schemas.openxmlformats.org/drawingml/2006/main" xmlns:r="http://schemas.openxmlformats.org/officeDocument/2006/relationships" xmlns:mc="http://schemas.openxmlformats.org/markup-compatibility/2006" xmlns:mv="urn:schemas-microsoft-com:mac:vml" xmlns:p="http://schemas.openxmlformats.org/presentationml/2006/main" mc:Ignorable="mv" mc:PreserveAttributes="mv:*">
-  <p:cSld>
-    <p:spTree>
-      <p:nvGrpSpPr>
-        <p:cNvPr id="1" name=""/>
-        <p:cNvGrpSpPr/>
-        <p:nvPr/>
-      </p:nvGrpSpPr>
-      <p:grpSpPr>
-        <a:xfrm>
-          <a:off x="0" y="0"/>
-          <a:ext cx="0" cy="0"/>
-          <a:chOff x="0" y="0"/>
-          <a:chExt cx="0" cy="0"/>
-        </a:xfrm>
-      </p:grpSpPr>
-      <p:sp>
-        <p:nvSpPr>
-          <p:cNvPr id="2" name="Title 1"/>
-          <p:cNvSpPr>
-            <a:spLocks noGrp="1"/>
-          </p:cNvSpPr>
-          <p:nvPr>
-            <p:ph type="title"/>
-          </p:nvPr>
-        </p:nvSpPr>
-        <p:spPr/>
-        <p:txBody>
-          <a:bodyPr/>
-          <a:lstStyle/>
-          <a:p>
-            <a:r>
-              <a:rPr lang="en-US" dirty="0" smtClean="0"/>
-              <a:t>Class Diagrams</a:t>
-            </a:r>
-            <a:endParaRPr lang="en-US" dirty="0"/>
-          </a:p>
-        </p:txBody>
-      </p:sp>
-      <p:pic>
-        <p:nvPicPr>
-          <p:cNvPr id="4" name="Content Placeholder 3" descr="Screen Shot 2015-09-15 at 3.51.25 PM.png"/>
-          <p:cNvPicPr>
-            <a:picLocks noGrp="1" noChangeAspect="1"/>
-          </p:cNvPicPr>
-          <p:nvPr>
-            <p:ph idx="1"/>
-          </p:nvPr>
-        </p:nvPicPr>
-        <p:blipFill>
-          <a:blip r:embed="rId2"/>
-          <a:srcRect l="-12636" r="-12636"/>
-          <a:stretch>
-            <a:fillRect/>
-          </a:stretch>
-        </p:blipFill>
-        <p:spPr>
-          <a:xfrm>
-            <a:off x="725701" y="2057399"/>
-            <a:ext cx="7477172" cy="4499327"/>
-          </a:xfrm>
-        </p:spPr>
-      </p:pic>
-    </p:spTree>
-  </p:cSld>
-  <p:clrMapOvr>
-    <a:masterClrMapping/>
-  </p:clrMapOvr>
-  <p:timing>
-    <p:tnLst>
-      <p:par>
-        <p:cTn id="1" dur="indefinite" restart="never" nodeType="tmRoot"/>
-      </p:par>
-    </p:tnLst>
-  </p:timing>
-</p:sld>
-</file>
-
-<file path=ppt/slides/slide7.xml><?xml version="1.0" encoding="utf-8"?>
-<p:sld xmlns:a="http://schemas.openxmlformats.org/drawingml/2006/main" xmlns:r="http://schemas.openxmlformats.org/officeDocument/2006/relationships" xmlns:mc="http://schemas.openxmlformats.org/markup-compatibility/2006" xmlns:mv="urn:schemas-microsoft-com:mac:vml" xmlns:p="http://schemas.openxmlformats.org/presentationml/2006/main" mc:Ignorable="mv" mc:PreserveAttributes="mv:*">
-  <p:cSld>
-    <p:spTree>
-      <p:nvGrpSpPr>
-        <p:cNvPr id="1" name=""/>
-        <p:cNvGrpSpPr/>
-        <p:nvPr/>
-      </p:nvGrpSpPr>
-      <p:grpSpPr>
-        <a:xfrm>
-          <a:off x="0" y="0"/>
-          <a:ext cx="0" cy="0"/>
-          <a:chOff x="0" y="0"/>
-          <a:chExt cx="0" cy="0"/>
-        </a:xfrm>
-      </p:grpSpPr>
-      <p:sp>
-        <p:nvSpPr>
-          <p:cNvPr id="2" name="Title 1"/>
-          <p:cNvSpPr>
-            <a:spLocks noGrp="1"/>
-          </p:cNvSpPr>
-          <p:nvPr>
-            <p:ph type="title"/>
-          </p:nvPr>
-        </p:nvSpPr>
-        <p:spPr/>
-        <p:txBody>
-          <a:bodyPr/>
-          <a:lstStyle/>
-          <a:p>
-            <a:r>
-              <a:rPr lang="en-US" dirty="0" smtClean="0"/>
-              <a:t>Activity Diagram</a:t>
-            </a:r>
-            <a:endParaRPr lang="en-US" dirty="0"/>
-          </a:p>
-        </p:txBody>
-      </p:sp>
-      <p:sp>
-        <p:nvSpPr>
-          <p:cNvPr id="3" name="Content Placeholder 2"/>
-          <p:cNvSpPr>
-            <a:spLocks noGrp="1"/>
-          </p:cNvSpPr>
-          <p:nvPr>
-            <p:ph idx="1"/>
-          </p:nvPr>
-        </p:nvSpPr>
-        <p:spPr/>
-        <p:txBody>
-          <a:bodyPr/>
-          <a:lstStyle/>
-          <a:p>
-            <a:endParaRPr lang="en-US"/>
-          </a:p>
-        </p:txBody>
-      </p:sp>
-    </p:spTree>
-  </p:cSld>
-  <p:clrMapOvr>
-    <a:masterClrMapping/>
-  </p:clrMapOvr>
-</p:sld>
-</file>
-
-<file path=ppt/slides/slide8.xml><?xml version="1.0" encoding="utf-8"?>
-<p:sld xmlns:a="http://schemas.openxmlformats.org/drawingml/2006/main" xmlns:r="http://schemas.openxmlformats.org/officeDocument/2006/relationships" xmlns:mc="http://schemas.openxmlformats.org/markup-compatibility/2006" xmlns:mv="urn:schemas-microsoft-com:mac:vml" xmlns:p="http://schemas.openxmlformats.org/presentationml/2006/main" mc:Ignorable="mv" mc:PreserveAttributes="mv:*">
-  <p:cSld>
-    <p:spTree>
-      <p:nvGrpSpPr>
-        <p:cNvPr id="1" name=""/>
-        <p:cNvGrpSpPr/>
-        <p:nvPr/>
-      </p:nvGrpSpPr>
-      <p:grpSpPr>
-        <a:xfrm>
-          <a:off x="0" y="0"/>
-          <a:ext cx="0" cy="0"/>
-          <a:chOff x="0" y="0"/>
-          <a:chExt cx="0" cy="0"/>
-        </a:xfrm>
-      </p:grpSpPr>
-      <p:sp>
-        <p:nvSpPr>
           <p:cNvPr id="2" name="Title 1"/>
           <p:cNvSpPr>
             <a:spLocks noGrp="1"/>
@@ -8195,7 +7441,7 @@
         </p:nvGraphicFramePr>
         <p:xfrm>
           <a:off x="457198" y="2257907"/>
-          <a:ext cx="7715932" cy="4206240"/>
+          <a:ext cx="7715932" cy="3566160"/>
         </p:xfrm>
         <a:graphic>
           <a:graphicData uri="http://schemas.openxmlformats.org/drawingml/2006/table">
@@ -8493,36 +7739,6 @@
                   <a:tcPr/>
                 </a:tc>
               </a:tr>
-              <a:tr h="475215">
-                <a:tc>
-                  <a:txBody>
-                    <a:bodyPr/>
-                    <a:lstStyle/>
-                    <a:p>
-                      <a:r>
-                        <a:rPr lang="en-US" dirty="0" smtClean="0"/>
-                        <a:t>Export Data to an excel spreadsheet</a:t>
-                      </a:r>
-                      <a:endParaRPr lang="en-US" dirty="0"/>
-                    </a:p>
-                  </a:txBody>
-                  <a:tcPr/>
-                </a:tc>
-                <a:tc>
-                  <a:txBody>
-                    <a:bodyPr/>
-                    <a:lstStyle/>
-                    <a:p>
-                      <a:r>
-                        <a:rPr lang="en-US" dirty="0" smtClean="0"/>
-                        <a:t>Stretch</a:t>
-                      </a:r>
-                      <a:endParaRPr lang="en-US" dirty="0"/>
-                    </a:p>
-                  </a:txBody>
-                  <a:tcPr/>
-                </a:tc>
-              </a:tr>
             </a:tbl>
           </a:graphicData>
         </a:graphic>
@@ -8535,7 +7751,7 @@
 </p:sld>
 </file>
 
-<file path=ppt/slides/slide9.xml><?xml version="1.0" encoding="utf-8"?>
+<file path=ppt/slides/slide11.xml><?xml version="1.0" encoding="utf-8"?>
 <p:sld xmlns:a="http://schemas.openxmlformats.org/drawingml/2006/main" xmlns:r="http://schemas.openxmlformats.org/officeDocument/2006/relationships" xmlns:mc="http://schemas.openxmlformats.org/markup-compatibility/2006" xmlns:mv="urn:schemas-microsoft-com:mac:vml" xmlns:p="http://schemas.openxmlformats.org/presentationml/2006/main" mc:Ignorable="mv" mc:PreserveAttributes="mv:*">
   <p:cSld>
     <p:spTree>
@@ -8587,7 +7803,7 @@
         </p:nvGraphicFramePr>
         <p:xfrm>
           <a:off x="269067" y="2587185"/>
-          <a:ext cx="8358377" cy="1920239"/>
+          <a:ext cx="8358377" cy="2560319"/>
         </p:xfrm>
         <a:graphic>
           <a:graphicData uri="http://schemas.openxmlformats.org/drawingml/2006/table">
@@ -8718,10 +7934,1507 @@
                   <a:tcPr/>
                 </a:tc>
               </a:tr>
+              <a:tr h="263982">
+                <a:tc>
+                  <a:txBody>
+                    <a:bodyPr/>
+                    <a:lstStyle/>
+                    <a:p>
+                      <a:r>
+                        <a:rPr lang="en-US" dirty="0" smtClean="0"/>
+                        <a:t>Export Data to an excel spreadsheet</a:t>
+                      </a:r>
+                      <a:endParaRPr lang="en-US" dirty="0"/>
+                    </a:p>
+                  </a:txBody>
+                  <a:tcPr/>
+                </a:tc>
+                <a:tc>
+                  <a:txBody>
+                    <a:bodyPr/>
+                    <a:lstStyle/>
+                    <a:p>
+                      <a:r>
+                        <a:rPr lang="en-US" dirty="0" smtClean="0"/>
+                        <a:t>Stretch</a:t>
+                      </a:r>
+                      <a:endParaRPr lang="en-US" dirty="0"/>
+                    </a:p>
+                  </a:txBody>
+                  <a:tcPr/>
+                </a:tc>
+              </a:tr>
             </a:tbl>
           </a:graphicData>
         </a:graphic>
       </p:graphicFrame>
+    </p:spTree>
+  </p:cSld>
+  <p:clrMapOvr>
+    <a:masterClrMapping/>
+  </p:clrMapOvr>
+</p:sld>
+</file>
+
+<file path=ppt/slides/slide12.xml><?xml version="1.0" encoding="utf-8"?>
+<p:sld xmlns:a="http://schemas.openxmlformats.org/drawingml/2006/main" xmlns:r="http://schemas.openxmlformats.org/officeDocument/2006/relationships" xmlns:mc="http://schemas.openxmlformats.org/markup-compatibility/2006" xmlns:mv="urn:schemas-microsoft-com:mac:vml" xmlns:p="http://schemas.openxmlformats.org/presentationml/2006/main" mc:Ignorable="mv" mc:PreserveAttributes="mv:*">
+  <p:cSld>
+    <p:spTree>
+      <p:nvGrpSpPr>
+        <p:cNvPr id="1" name=""/>
+        <p:cNvGrpSpPr/>
+        <p:nvPr/>
+      </p:nvGrpSpPr>
+      <p:grpSpPr>
+        <a:xfrm>
+          <a:off x="0" y="0"/>
+          <a:ext cx="0" cy="0"/>
+          <a:chOff x="0" y="0"/>
+          <a:chExt cx="0" cy="0"/>
+        </a:xfrm>
+      </p:grpSpPr>
+      <p:sp>
+        <p:nvSpPr>
+          <p:cNvPr id="2" name="Title 1"/>
+          <p:cNvSpPr>
+            <a:spLocks noGrp="1"/>
+          </p:cNvSpPr>
+          <p:nvPr>
+            <p:ph type="title"/>
+          </p:nvPr>
+        </p:nvSpPr>
+        <p:spPr/>
+        <p:txBody>
+          <a:bodyPr/>
+          <a:lstStyle/>
+          <a:p>
+            <a:r>
+              <a:rPr lang="en-US" dirty="0" smtClean="0"/>
+              <a:t>Non-Functional Requirements</a:t>
+            </a:r>
+            <a:endParaRPr lang="en-US" dirty="0"/>
+          </a:p>
+        </p:txBody>
+      </p:sp>
+      <p:graphicFrame>
+        <p:nvGraphicFramePr>
+          <p:cNvPr id="3" name="Table 2"/>
+          <p:cNvGraphicFramePr>
+            <a:graphicFrameLocks noGrp="1"/>
+          </p:cNvGraphicFramePr>
+          <p:nvPr/>
+        </p:nvGraphicFramePr>
+        <p:xfrm>
+          <a:off x="1147736" y="2446066"/>
+          <a:ext cx="6096000" cy="3383279"/>
+        </p:xfrm>
+        <a:graphic>
+          <a:graphicData uri="http://schemas.openxmlformats.org/drawingml/2006/table">
+            <a:tbl>
+              <a:tblPr firstRow="1" bandRow="1">
+                <a:tableStyleId>{5C22544A-7EE6-4342-B048-85BDC9FD1C3A}</a:tableStyleId>
+              </a:tblPr>
+              <a:tblGrid>
+                <a:gridCol w="3048000"/>
+                <a:gridCol w="3048000"/>
+              </a:tblGrid>
+              <a:tr h="316518">
+                <a:tc>
+                  <a:txBody>
+                    <a:bodyPr/>
+                    <a:lstStyle/>
+                    <a:p>
+                      <a:r>
+                        <a:rPr lang="en-US" dirty="0" smtClean="0"/>
+                        <a:t>Functionality</a:t>
+                      </a:r>
+                      <a:r>
+                        <a:rPr lang="en-US" baseline="0" dirty="0" smtClean="0"/>
+                        <a:t> </a:t>
+                      </a:r>
+                      <a:endParaRPr lang="en-US" dirty="0"/>
+                    </a:p>
+                  </a:txBody>
+                  <a:tcPr/>
+                </a:tc>
+                <a:tc>
+                  <a:txBody>
+                    <a:bodyPr/>
+                    <a:lstStyle/>
+                    <a:p>
+                      <a:r>
+                        <a:rPr lang="en-US" dirty="0" smtClean="0"/>
+                        <a:t>Status </a:t>
+                      </a:r>
+                      <a:endParaRPr lang="en-US" dirty="0"/>
+                    </a:p>
+                  </a:txBody>
+                  <a:tcPr/>
+                </a:tc>
+              </a:tr>
+              <a:tr h="1014593">
+                <a:tc>
+                  <a:txBody>
+                    <a:bodyPr/>
+                    <a:lstStyle/>
+                    <a:p>
+                      <a:pPr marL="0" marR="0" indent="0" algn="l" defTabSz="914400" rtl="0" eaLnBrk="1" fontAlgn="auto" latinLnBrk="0" hangingPunct="1">
+                        <a:lnSpc>
+                          <a:spcPct val="100000"/>
+                        </a:lnSpc>
+                        <a:spcBef>
+                          <a:spcPts val="0"/>
+                        </a:spcBef>
+                        <a:spcAft>
+                          <a:spcPts val="0"/>
+                        </a:spcAft>
+                        <a:buClrTx/>
+                        <a:buSzTx/>
+                        <a:buFontTx/>
+                        <a:buNone/>
+                        <a:tabLst/>
+                        <a:defRPr/>
+                      </a:pPr>
+                      <a:r>
+                        <a:rPr lang="en-US" dirty="0" smtClean="0"/>
+                        <a:t>Database</a:t>
+                      </a:r>
+                      <a:r>
+                        <a:rPr lang="en-US" baseline="0" dirty="0" smtClean="0"/>
+                        <a:t> that stores all the information about courses/ grades/ instructors </a:t>
+                      </a:r>
+                      <a:endParaRPr lang="en-US" dirty="0" smtClean="0"/>
+                    </a:p>
+                  </a:txBody>
+                  <a:tcPr/>
+                </a:tc>
+                <a:tc>
+                  <a:txBody>
+                    <a:bodyPr/>
+                    <a:lstStyle/>
+                    <a:p>
+                      <a:r>
+                        <a:rPr lang="en-US" dirty="0" smtClean="0"/>
+                        <a:t>Required</a:t>
+                      </a:r>
+                      <a:endParaRPr lang="en-US" dirty="0"/>
+                    </a:p>
+                  </a:txBody>
+                  <a:tcPr/>
+                </a:tc>
+              </a:tr>
+              <a:tr h="780456">
+                <a:tc>
+                  <a:txBody>
+                    <a:bodyPr/>
+                    <a:lstStyle/>
+                    <a:p>
+                      <a:r>
+                        <a:rPr lang="en-US" dirty="0" smtClean="0"/>
+                        <a:t>User interface</a:t>
+                      </a:r>
+                      <a:r>
+                        <a:rPr lang="en-US" baseline="0" dirty="0" smtClean="0"/>
+                        <a:t> that accessible for all type of user</a:t>
+                      </a:r>
+                      <a:endParaRPr lang="en-US" dirty="0"/>
+                    </a:p>
+                  </a:txBody>
+                  <a:tcPr/>
+                </a:tc>
+                <a:tc>
+                  <a:txBody>
+                    <a:bodyPr/>
+                    <a:lstStyle/>
+                    <a:p>
+                      <a:r>
+                        <a:rPr lang="en-US" dirty="0" smtClean="0"/>
+                        <a:t>Required</a:t>
+                      </a:r>
+                      <a:r>
+                        <a:rPr lang="en-US" baseline="0" dirty="0" smtClean="0"/>
+                        <a:t> </a:t>
+                      </a:r>
+                      <a:endParaRPr lang="en-US" dirty="0"/>
+                    </a:p>
+                  </a:txBody>
+                  <a:tcPr/>
+                </a:tc>
+              </a:tr>
+              <a:tr h="780456">
+                <a:tc>
+                  <a:txBody>
+                    <a:bodyPr/>
+                    <a:lstStyle/>
+                    <a:p>
+                      <a:r>
+                        <a:rPr lang="en-US" dirty="0" smtClean="0"/>
+                        <a:t>The system must not be a significant drain on</a:t>
+                      </a:r>
+                    </a:p>
+                    <a:p>
+                      <a:r>
+                        <a:rPr lang="en-US" dirty="0" smtClean="0"/>
+                        <a:t>battery life.</a:t>
+                      </a:r>
+                      <a:endParaRPr lang="en-US" dirty="0"/>
+                    </a:p>
+                  </a:txBody>
+                  <a:tcPr/>
+                </a:tc>
+                <a:tc>
+                  <a:txBody>
+                    <a:bodyPr/>
+                    <a:lstStyle/>
+                    <a:p>
+                      <a:r>
+                        <a:rPr lang="en-US" dirty="0" smtClean="0"/>
+                        <a:t>Required</a:t>
+                      </a:r>
+                      <a:endParaRPr lang="en-US" dirty="0"/>
+                    </a:p>
+                  </a:txBody>
+                  <a:tcPr/>
+                </a:tc>
+              </a:tr>
+            </a:tbl>
+          </a:graphicData>
+        </a:graphic>
+      </p:graphicFrame>
+    </p:spTree>
+  </p:cSld>
+  <p:clrMapOvr>
+    <a:masterClrMapping/>
+  </p:clrMapOvr>
+</p:sld>
+</file>
+
+<file path=ppt/slides/slide13.xml><?xml version="1.0" encoding="utf-8"?>
+<p:sld xmlns:a="http://schemas.openxmlformats.org/drawingml/2006/main" xmlns:r="http://schemas.openxmlformats.org/officeDocument/2006/relationships" xmlns:mc="http://schemas.openxmlformats.org/markup-compatibility/2006" xmlns:mv="urn:schemas-microsoft-com:mac:vml" xmlns:p="http://schemas.openxmlformats.org/presentationml/2006/main" mc:Ignorable="mv" mc:PreserveAttributes="mv:*">
+  <p:cSld>
+    <p:spTree>
+      <p:nvGrpSpPr>
+        <p:cNvPr id="1" name=""/>
+        <p:cNvGrpSpPr/>
+        <p:nvPr/>
+      </p:nvGrpSpPr>
+      <p:grpSpPr>
+        <a:xfrm>
+          <a:off x="0" y="0"/>
+          <a:ext cx="0" cy="0"/>
+          <a:chOff x="0" y="0"/>
+          <a:chExt cx="0" cy="0"/>
+        </a:xfrm>
+      </p:grpSpPr>
+      <p:sp>
+        <p:nvSpPr>
+          <p:cNvPr id="6" name="Title 5"/>
+          <p:cNvSpPr>
+            <a:spLocks noGrp="1"/>
+          </p:cNvSpPr>
+          <p:nvPr>
+            <p:ph type="title"/>
+          </p:nvPr>
+        </p:nvSpPr>
+        <p:spPr/>
+        <p:txBody>
+          <a:bodyPr/>
+          <a:lstStyle/>
+          <a:p>
+            <a:r>
+              <a:rPr lang="en-US" dirty="0" smtClean="0"/>
+              <a:t>Potential Risks </a:t>
+            </a:r>
+            <a:endParaRPr lang="en-US" dirty="0"/>
+          </a:p>
+        </p:txBody>
+      </p:sp>
+      <p:sp>
+        <p:nvSpPr>
+          <p:cNvPr id="7" name="Content Placeholder 6"/>
+          <p:cNvSpPr>
+            <a:spLocks noGrp="1"/>
+          </p:cNvSpPr>
+          <p:nvPr>
+            <p:ph idx="1"/>
+          </p:nvPr>
+        </p:nvSpPr>
+        <p:spPr/>
+        <p:txBody>
+          <a:bodyPr/>
+          <a:lstStyle/>
+          <a:p>
+            <a:r>
+              <a:rPr lang="en-US" dirty="0" smtClean="0"/>
+              <a:t>Student update final grades into the database with false information</a:t>
+            </a:r>
+            <a:r>
+              <a:rPr lang="en-US" dirty="0" smtClean="0"/>
+              <a:t> </a:t>
+            </a:r>
+          </a:p>
+          <a:p>
+            <a:pPr lvl="1"/>
+            <a:r>
+              <a:rPr lang="en-US" dirty="0" smtClean="0"/>
+              <a:t>Also forgetting to upload their final grades</a:t>
+            </a:r>
+            <a:endParaRPr lang="en-US" dirty="0" smtClean="0"/>
+          </a:p>
+          <a:p>
+            <a:r>
+              <a:rPr lang="en-US" dirty="0" smtClean="0"/>
+              <a:t>Unable to gather and store all </a:t>
+            </a:r>
+            <a:r>
+              <a:rPr lang="en-US" dirty="0" smtClean="0"/>
+              <a:t>the data collected in a way that will allow us to provide useful statistics to the user very quickly and in real time.</a:t>
+            </a:r>
+            <a:r>
+              <a:rPr lang="en-US" dirty="0" smtClean="0"/>
+              <a:t> </a:t>
+            </a:r>
+          </a:p>
+          <a:p>
+            <a:pPr lvl="1"/>
+            <a:r>
+              <a:rPr lang="en-US" dirty="0" smtClean="0"/>
+              <a:t>This is also our number one goal to tackle</a:t>
+            </a:r>
+          </a:p>
+          <a:p>
+            <a:r>
+              <a:rPr lang="en-US" dirty="0" smtClean="0"/>
+              <a:t>Students leaving negative comments about a teacher</a:t>
+            </a:r>
+            <a:endParaRPr lang="en-US" dirty="0" smtClean="0"/>
+          </a:p>
+          <a:p>
+            <a:pPr lvl="1"/>
+            <a:endParaRPr lang="en-US" dirty="0" smtClean="0"/>
+          </a:p>
+          <a:p>
+            <a:endParaRPr lang="en-US" dirty="0" smtClean="0"/>
+          </a:p>
+          <a:p>
+            <a:endParaRPr lang="en-US" dirty="0" smtClean="0"/>
+          </a:p>
+        </p:txBody>
+      </p:sp>
+    </p:spTree>
+  </p:cSld>
+  <p:clrMapOvr>
+    <a:masterClrMapping/>
+  </p:clrMapOvr>
+</p:sld>
+</file>
+
+<file path=ppt/slides/slide14.xml><?xml version="1.0" encoding="utf-8"?>
+<p:sld xmlns:a="http://schemas.openxmlformats.org/drawingml/2006/main" xmlns:r="http://schemas.openxmlformats.org/officeDocument/2006/relationships" xmlns:mc="http://schemas.openxmlformats.org/markup-compatibility/2006" xmlns:mv="urn:schemas-microsoft-com:mac:vml" xmlns:p="http://schemas.openxmlformats.org/presentationml/2006/main" mc:Ignorable="mv" mc:PreserveAttributes="mv:*">
+  <p:cSld>
+    <p:spTree>
+      <p:nvGrpSpPr>
+        <p:cNvPr id="1" name=""/>
+        <p:cNvGrpSpPr/>
+        <p:nvPr/>
+      </p:nvGrpSpPr>
+      <p:grpSpPr>
+        <a:xfrm>
+          <a:off x="0" y="0"/>
+          <a:ext cx="0" cy="0"/>
+          <a:chOff x="0" y="0"/>
+          <a:chExt cx="0" cy="0"/>
+        </a:xfrm>
+      </p:grpSpPr>
+      <p:sp>
+        <p:nvSpPr>
+          <p:cNvPr id="2" name="Title 1"/>
+          <p:cNvSpPr>
+            <a:spLocks noGrp="1"/>
+          </p:cNvSpPr>
+          <p:nvPr>
+            <p:ph type="title"/>
+          </p:nvPr>
+        </p:nvSpPr>
+        <p:spPr/>
+        <p:txBody>
+          <a:bodyPr/>
+          <a:lstStyle/>
+          <a:p>
+            <a:r>
+              <a:rPr lang="en-US" dirty="0" smtClean="0"/>
+              <a:t>Summary discussion of Project</a:t>
+            </a:r>
+            <a:endParaRPr lang="en-US" dirty="0"/>
+          </a:p>
+        </p:txBody>
+      </p:sp>
+      <p:sp>
+        <p:nvSpPr>
+          <p:cNvPr id="3" name="Content Placeholder 2"/>
+          <p:cNvSpPr>
+            <a:spLocks noGrp="1"/>
+          </p:cNvSpPr>
+          <p:nvPr>
+            <p:ph idx="1"/>
+          </p:nvPr>
+        </p:nvSpPr>
+        <p:spPr/>
+        <p:txBody>
+          <a:bodyPr>
+            <a:normAutofit/>
+          </a:bodyPr>
+          <a:lstStyle/>
+          <a:p>
+            <a:r>
+              <a:rPr lang="en-US" dirty="0" smtClean="0"/>
+              <a:t>We will use all the grades and profiles created to create a database of anonymous grades and their associated professors</a:t>
+            </a:r>
+          </a:p>
+          <a:p>
+            <a:r>
+              <a:rPr lang="en-US" dirty="0" smtClean="0"/>
+              <a:t>The app will help assist students in deciding which professor to take</a:t>
+            </a:r>
+          </a:p>
+          <a:p>
+            <a:r>
+              <a:rPr lang="en-US" dirty="0" smtClean="0"/>
+              <a:t>We are planning on doing this for only UA students, however to expand this to other colleges would simply require additional databases</a:t>
+            </a:r>
+            <a:endParaRPr lang="en-US" dirty="0"/>
+          </a:p>
+        </p:txBody>
+      </p:sp>
+    </p:spTree>
+  </p:cSld>
+  <p:clrMapOvr>
+    <a:masterClrMapping/>
+  </p:clrMapOvr>
+</p:sld>
+</file>
+
+<file path=ppt/slides/slide2.xml><?xml version="1.0" encoding="utf-8"?>
+<p:sld xmlns:a="http://schemas.openxmlformats.org/drawingml/2006/main" xmlns:r="http://schemas.openxmlformats.org/officeDocument/2006/relationships" xmlns:mc="http://schemas.openxmlformats.org/markup-compatibility/2006" xmlns:mv="urn:schemas-microsoft-com:mac:vml" xmlns:p="http://schemas.openxmlformats.org/presentationml/2006/main" mc:Ignorable="mv" mc:PreserveAttributes="mv:*">
+  <p:cSld>
+    <p:spTree>
+      <p:nvGrpSpPr>
+        <p:cNvPr id="1" name=""/>
+        <p:cNvGrpSpPr/>
+        <p:nvPr/>
+      </p:nvGrpSpPr>
+      <p:grpSpPr>
+        <a:xfrm>
+          <a:off x="0" y="0"/>
+          <a:ext cx="0" cy="0"/>
+          <a:chOff x="0" y="0"/>
+          <a:chExt cx="0" cy="0"/>
+        </a:xfrm>
+      </p:grpSpPr>
+      <p:sp>
+        <p:nvSpPr>
+          <p:cNvPr id="2" name="Title 1"/>
+          <p:cNvSpPr>
+            <a:spLocks noGrp="1"/>
+          </p:cNvSpPr>
+          <p:nvPr>
+            <p:ph type="title"/>
+          </p:nvPr>
+        </p:nvSpPr>
+        <p:spPr/>
+        <p:txBody>
+          <a:bodyPr/>
+          <a:lstStyle/>
+          <a:p>
+            <a:r>
+              <a:rPr lang="en-US" smtClean="0"/>
+              <a:t>Why we are creating this app</a:t>
+            </a:r>
+            <a:endParaRPr lang="en-US" dirty="0"/>
+          </a:p>
+        </p:txBody>
+      </p:sp>
+      <p:sp>
+        <p:nvSpPr>
+          <p:cNvPr id="6" name="Text Placeholder 5"/>
+          <p:cNvSpPr>
+            <a:spLocks noGrp="1"/>
+          </p:cNvSpPr>
+          <p:nvPr>
+            <p:ph type="body" idx="1"/>
+          </p:nvPr>
+        </p:nvSpPr>
+        <p:spPr/>
+        <p:txBody>
+          <a:bodyPr/>
+          <a:lstStyle/>
+          <a:p>
+            <a:r>
+              <a:rPr lang="en-US" smtClean="0"/>
+              <a:t>Problem Definition</a:t>
+            </a:r>
+            <a:endParaRPr lang="en-US" dirty="0"/>
+          </a:p>
+        </p:txBody>
+      </p:sp>
+      <p:sp>
+        <p:nvSpPr>
+          <p:cNvPr id="3" name="Content Placeholder 2"/>
+          <p:cNvSpPr>
+            <a:spLocks noGrp="1"/>
+          </p:cNvSpPr>
+          <p:nvPr>
+            <p:ph sz="half" idx="2"/>
+          </p:nvPr>
+        </p:nvSpPr>
+        <p:spPr/>
+        <p:txBody>
+          <a:bodyPr/>
+          <a:lstStyle/>
+          <a:p>
+            <a:pPr algn="ctr">
+              <a:buNone/>
+            </a:pPr>
+            <a:r>
+              <a:rPr lang="en-US" dirty="0" smtClean="0"/>
+              <a:t>What can I make on my remaining tests/assignments to get an A in a class, given the grades that I’ve already made so far ?</a:t>
+            </a:r>
+          </a:p>
+          <a:p>
+            <a:pPr>
+              <a:buNone/>
+            </a:pPr>
+            <a:endParaRPr lang="en-US" dirty="0" smtClean="0"/>
+          </a:p>
+          <a:p>
+            <a:endParaRPr lang="en-US" dirty="0" smtClean="0"/>
+          </a:p>
+          <a:p>
+            <a:endParaRPr lang="en-US" dirty="0"/>
+          </a:p>
+        </p:txBody>
+      </p:sp>
+      <p:sp>
+        <p:nvSpPr>
+          <p:cNvPr id="24" name="Text Placeholder 23"/>
+          <p:cNvSpPr>
+            <a:spLocks noGrp="1"/>
+          </p:cNvSpPr>
+          <p:nvPr>
+            <p:ph type="body" sz="quarter" idx="3"/>
+          </p:nvPr>
+        </p:nvSpPr>
+        <p:spPr/>
+        <p:txBody>
+          <a:bodyPr/>
+          <a:lstStyle/>
+          <a:p>
+            <a:r>
+              <a:rPr lang="en-US" dirty="0" smtClean="0"/>
+              <a:t>Reason’s</a:t>
+            </a:r>
+            <a:endParaRPr lang="en-US" dirty="0"/>
+          </a:p>
+        </p:txBody>
+      </p:sp>
+      <p:pic>
+        <p:nvPicPr>
+          <p:cNvPr id="18" name="Content Placeholder 17" descr="17283070-Bored-and-Tired-Student-make-funny-grimace-Isolated-on-the-White-Background-Stock-Photo.jpg"/>
+          <p:cNvPicPr>
+            <a:picLocks noGrp="1" noChangeAspect="1"/>
+          </p:cNvPicPr>
+          <p:nvPr>
+            <p:ph sz="quarter" idx="4"/>
+          </p:nvPr>
+        </p:nvPicPr>
+        <p:blipFill>
+          <a:blip r:embed="rId3"/>
+          <a:srcRect t="-22351" b="-22351"/>
+          <a:stretch>
+            <a:fillRect/>
+          </a:stretch>
+        </p:blipFill>
+        <p:spPr>
+          <a:xfrm>
+            <a:off x="815239" y="3903244"/>
+            <a:ext cx="2805690" cy="2703877"/>
+          </a:xfrm>
+        </p:spPr>
+      </p:pic>
+      <p:sp>
+        <p:nvSpPr>
+          <p:cNvPr id="25" name="TextBox 24"/>
+          <p:cNvSpPr txBox="1"/>
+          <p:nvPr/>
+        </p:nvSpPr>
+        <p:spPr>
+          <a:xfrm>
+            <a:off x="4985498" y="2916462"/>
+            <a:ext cx="2860053" cy="3139321"/>
+          </a:xfrm>
+          <a:prstGeom prst="rect">
+            <a:avLst/>
+          </a:prstGeom>
+          <a:noFill/>
+        </p:spPr>
+        <p:txBody>
+          <a:bodyPr wrap="square" rtlCol="0">
+            <a:spAutoFit/>
+          </a:bodyPr>
+          <a:lstStyle/>
+          <a:p>
+            <a:pPr marL="342900" indent="-342900">
+              <a:buFont typeface="+mj-lt"/>
+              <a:buAutoNum type="arabicPeriod"/>
+            </a:pPr>
+            <a:r>
+              <a:rPr lang="en-US" dirty="0" smtClean="0"/>
+              <a:t>Help student’s manage work load throughout semester</a:t>
+            </a:r>
+          </a:p>
+          <a:p>
+            <a:pPr marL="342900" indent="-342900">
+              <a:buFont typeface="+mj-lt"/>
+              <a:buAutoNum type="arabicPeriod"/>
+            </a:pPr>
+            <a:r>
+              <a:rPr lang="en-US" dirty="0" smtClean="0"/>
+              <a:t>Scheduling classes easier for students</a:t>
+            </a:r>
+          </a:p>
+          <a:p>
+            <a:pPr marL="342900" indent="-342900">
+              <a:buFont typeface="+mj-lt"/>
+              <a:buAutoNum type="arabicPeriod"/>
+            </a:pPr>
+            <a:r>
+              <a:rPr lang="en-US" dirty="0" smtClean="0"/>
+              <a:t>No errors in calculations</a:t>
+            </a:r>
+          </a:p>
+          <a:p>
+            <a:pPr marL="342900" indent="-342900">
+              <a:buFont typeface="+mj-lt"/>
+              <a:buAutoNum type="arabicPeriod"/>
+            </a:pPr>
+            <a:r>
+              <a:rPr lang="en-US" dirty="0" smtClean="0"/>
+              <a:t>No more endless calculations </a:t>
+            </a:r>
+          </a:p>
+          <a:p>
+            <a:pPr marL="342900" indent="-342900">
+              <a:buFont typeface="+mj-lt"/>
+              <a:buAutoNum type="arabicPeriod"/>
+            </a:pPr>
+            <a:endParaRPr lang="en-US" dirty="0" smtClean="0"/>
+          </a:p>
+          <a:p>
+            <a:pPr marL="342900" indent="-342900">
+              <a:buFont typeface="+mj-lt"/>
+              <a:buAutoNum type="arabicPeriod"/>
+            </a:pPr>
+            <a:endParaRPr lang="en-US" dirty="0"/>
+          </a:p>
+        </p:txBody>
+      </p:sp>
+    </p:spTree>
+  </p:cSld>
+  <p:clrMapOvr>
+    <a:masterClrMapping/>
+  </p:clrMapOvr>
+  <p:timing>
+    <p:tnLst>
+      <p:par>
+        <p:cTn id="1" dur="indefinite" restart="never" nodeType="tmRoot"/>
+      </p:par>
+    </p:tnLst>
+  </p:timing>
+</p:sld>
+</file>
+
+<file path=ppt/slides/slide3.xml><?xml version="1.0" encoding="utf-8"?>
+<p:sld xmlns:a="http://schemas.openxmlformats.org/drawingml/2006/main" xmlns:r="http://schemas.openxmlformats.org/officeDocument/2006/relationships" xmlns:mc="http://schemas.openxmlformats.org/markup-compatibility/2006" xmlns:mv="urn:schemas-microsoft-com:mac:vml" xmlns:p="http://schemas.openxmlformats.org/presentationml/2006/main" mc:Ignorable="mv" mc:PreserveAttributes="mv:*">
+  <p:cSld>
+    <p:spTree>
+      <p:nvGrpSpPr>
+        <p:cNvPr id="1" name=""/>
+        <p:cNvGrpSpPr/>
+        <p:nvPr/>
+      </p:nvGrpSpPr>
+      <p:grpSpPr>
+        <a:xfrm>
+          <a:off x="0" y="0"/>
+          <a:ext cx="0" cy="0"/>
+          <a:chOff x="0" y="0"/>
+          <a:chExt cx="0" cy="0"/>
+        </a:xfrm>
+      </p:grpSpPr>
+      <p:sp>
+        <p:nvSpPr>
+          <p:cNvPr id="2" name="Title 1"/>
+          <p:cNvSpPr>
+            <a:spLocks noGrp="1"/>
+          </p:cNvSpPr>
+          <p:nvPr>
+            <p:ph type="title"/>
+          </p:nvPr>
+        </p:nvSpPr>
+        <p:spPr>
+          <a:xfrm>
+            <a:off x="237710" y="477370"/>
+            <a:ext cx="4167713" cy="1035424"/>
+          </a:xfrm>
+        </p:spPr>
+        <p:txBody>
+          <a:bodyPr/>
+          <a:lstStyle/>
+          <a:p>
+            <a:r>
+              <a:rPr lang="en-US" sz="3600" dirty="0" smtClean="0"/>
+              <a:t>System Goal</a:t>
+            </a:r>
+            <a:endParaRPr lang="en-US" sz="3600" dirty="0"/>
+          </a:p>
+        </p:txBody>
+      </p:sp>
+      <p:pic>
+        <p:nvPicPr>
+          <p:cNvPr id="8" name="Content Placeholder 7" descr="98_1bryant_denny.jpg"/>
+          <p:cNvPicPr>
+            <a:picLocks noGrp="1" noChangeAspect="1"/>
+          </p:cNvPicPr>
+          <p:nvPr>
+            <p:ph idx="1"/>
+          </p:nvPr>
+        </p:nvPicPr>
+        <p:blipFill>
+          <a:blip r:embed="rId2"/>
+          <a:srcRect t="-58025" b="-58025"/>
+          <a:stretch>
+            <a:fillRect/>
+          </a:stretch>
+        </p:blipFill>
+        <p:spPr>
+          <a:xfrm>
+            <a:off x="4023359" y="-376318"/>
+            <a:ext cx="4831113" cy="6957199"/>
+          </a:xfrm>
+        </p:spPr>
+      </p:pic>
+      <p:sp>
+        <p:nvSpPr>
+          <p:cNvPr id="7" name="Text Placeholder 6"/>
+          <p:cNvSpPr>
+            <a:spLocks noGrp="1"/>
+          </p:cNvSpPr>
+          <p:nvPr>
+            <p:ph type="body" sz="half" idx="2"/>
+          </p:nvPr>
+        </p:nvSpPr>
+        <p:spPr>
+          <a:xfrm>
+            <a:off x="237710" y="2057400"/>
+            <a:ext cx="3566160" cy="3657601"/>
+          </a:xfrm>
+        </p:spPr>
+        <p:txBody>
+          <a:bodyPr>
+            <a:normAutofit/>
+          </a:bodyPr>
+          <a:lstStyle/>
+          <a:p>
+            <a:pPr algn="ctr"/>
+            <a:r>
+              <a:rPr lang="en-US" sz="2400" dirty="0" smtClean="0"/>
+              <a:t>D</a:t>
+            </a:r>
+            <a:r>
+              <a:rPr lang="en-US" sz="2400" dirty="0" smtClean="0"/>
+              <a:t>evelop the </a:t>
+            </a:r>
+            <a:r>
+              <a:rPr lang="en-US" sz="2400" dirty="0" err="1" smtClean="0"/>
+              <a:t>DropGrade</a:t>
+            </a:r>
+            <a:r>
+              <a:rPr lang="en-US" sz="2400" dirty="0" smtClean="0"/>
+              <a:t> app that will </a:t>
+            </a:r>
+            <a:r>
+              <a:rPr lang="en-US" sz="2400" dirty="0" smtClean="0"/>
+              <a:t>benefit all</a:t>
+            </a:r>
+            <a:r>
+              <a:rPr lang="en-US" sz="2400" dirty="0" smtClean="0"/>
+              <a:t> The </a:t>
+            </a:r>
+            <a:r>
+              <a:rPr lang="en-US" sz="2400" dirty="0" smtClean="0"/>
+              <a:t>University of Alabama </a:t>
+            </a:r>
+            <a:r>
+              <a:rPr lang="en-US" sz="2400" dirty="0" smtClean="0"/>
+              <a:t>students and minimize the stresses of </a:t>
+            </a:r>
+            <a:r>
+              <a:rPr lang="en-US" sz="2400" dirty="0" smtClean="0"/>
+              <a:t>College</a:t>
+            </a:r>
+            <a:endParaRPr lang="en-US" sz="2400" dirty="0" smtClean="0"/>
+          </a:p>
+          <a:p>
+            <a:endParaRPr lang="en-US" dirty="0"/>
+          </a:p>
+        </p:txBody>
+      </p:sp>
+    </p:spTree>
+  </p:cSld>
+  <p:clrMapOvr>
+    <a:masterClrMapping/>
+  </p:clrMapOvr>
+  <p:timing>
+    <p:tnLst>
+      <p:par>
+        <p:cTn id="1" dur="indefinite" restart="never" nodeType="tmRoot"/>
+      </p:par>
+    </p:tnLst>
+  </p:timing>
+</p:sld>
+</file>
+
+<file path=ppt/slides/slide4.xml><?xml version="1.0" encoding="utf-8"?>
+<p:sld xmlns:a="http://schemas.openxmlformats.org/drawingml/2006/main" xmlns:r="http://schemas.openxmlformats.org/officeDocument/2006/relationships" xmlns:mc="http://schemas.openxmlformats.org/markup-compatibility/2006" xmlns:mv="urn:schemas-microsoft-com:mac:vml" xmlns:p="http://schemas.openxmlformats.org/presentationml/2006/main" mc:Ignorable="mv" mc:PreserveAttributes="mv:*">
+  <p:cSld>
+    <p:spTree>
+      <p:nvGrpSpPr>
+        <p:cNvPr id="1" name=""/>
+        <p:cNvGrpSpPr/>
+        <p:nvPr/>
+      </p:nvGrpSpPr>
+      <p:grpSpPr>
+        <a:xfrm>
+          <a:off x="0" y="0"/>
+          <a:ext cx="0" cy="0"/>
+          <a:chOff x="0" y="0"/>
+          <a:chExt cx="0" cy="0"/>
+        </a:xfrm>
+      </p:grpSpPr>
+      <p:sp>
+        <p:nvSpPr>
+          <p:cNvPr id="5" name="Title 4"/>
+          <p:cNvSpPr>
+            <a:spLocks noGrp="1"/>
+          </p:cNvSpPr>
+          <p:nvPr>
+            <p:ph type="title"/>
+          </p:nvPr>
+        </p:nvSpPr>
+        <p:spPr>
+          <a:xfrm>
+            <a:off x="457199" y="8657"/>
+            <a:ext cx="6508377" cy="1143000"/>
+          </a:xfrm>
+        </p:spPr>
+        <p:txBody>
+          <a:bodyPr/>
+          <a:lstStyle/>
+          <a:p>
+            <a:r>
+              <a:rPr lang="en-US" dirty="0" smtClean="0"/>
+              <a:t>Scope of System</a:t>
+            </a:r>
+            <a:endParaRPr lang="en-US" dirty="0"/>
+          </a:p>
+        </p:txBody>
+      </p:sp>
+      <p:sp>
+        <p:nvSpPr>
+          <p:cNvPr id="6" name="Content Placeholder 5"/>
+          <p:cNvSpPr>
+            <a:spLocks noGrp="1"/>
+          </p:cNvSpPr>
+          <p:nvPr>
+            <p:ph idx="1"/>
+          </p:nvPr>
+        </p:nvSpPr>
+        <p:spPr>
+          <a:xfrm>
+            <a:off x="457199" y="1458231"/>
+            <a:ext cx="6508377" cy="4667933"/>
+          </a:xfrm>
+        </p:spPr>
+        <p:txBody>
+          <a:bodyPr>
+            <a:normAutofit fontScale="92500" lnSpcReduction="20000"/>
+          </a:bodyPr>
+          <a:lstStyle/>
+          <a:p>
+            <a:pPr>
+              <a:buFont typeface="Wingdings" charset="2"/>
+              <a:buChar char="Ø"/>
+            </a:pPr>
+            <a:r>
+              <a:rPr lang="en-US" dirty="0" smtClean="0"/>
+              <a:t> Login Screen</a:t>
+            </a:r>
+          </a:p>
+          <a:p>
+            <a:pPr lvl="1">
+              <a:buFont typeface="Wingdings" charset="2"/>
+              <a:buChar char="Ø"/>
+            </a:pPr>
+            <a:r>
+              <a:rPr lang="en-US" dirty="0" smtClean="0"/>
+              <a:t>What the user will see when opening the application </a:t>
+            </a:r>
+          </a:p>
+          <a:p>
+            <a:pPr>
+              <a:buFont typeface="Wingdings" charset="2"/>
+              <a:buChar char="Ø"/>
+            </a:pPr>
+            <a:r>
+              <a:rPr lang="en-US" dirty="0" smtClean="0"/>
+              <a:t>Add </a:t>
+            </a:r>
+            <a:r>
+              <a:rPr lang="en-US" dirty="0" smtClean="0"/>
+              <a:t>Course /Edit Course </a:t>
+            </a:r>
+          </a:p>
+          <a:p>
+            <a:pPr lvl="1">
+              <a:buFont typeface="Wingdings" charset="2"/>
+              <a:buChar char="Ø"/>
+            </a:pPr>
+            <a:r>
+              <a:rPr lang="en-US" dirty="0" smtClean="0"/>
+              <a:t>Add information about your </a:t>
+            </a:r>
+            <a:r>
+              <a:rPr lang="en-US" dirty="0" smtClean="0"/>
+              <a:t>courses</a:t>
+            </a:r>
+          </a:p>
+          <a:p>
+            <a:pPr lvl="1">
+              <a:buFont typeface="Wingdings" charset="2"/>
+              <a:buChar char="Ø"/>
+            </a:pPr>
+            <a:r>
+              <a:rPr lang="en-US" dirty="0" smtClean="0"/>
+              <a:t>Edit/ Update information about your course</a:t>
+            </a:r>
+          </a:p>
+          <a:p>
+            <a:pPr>
+              <a:buFont typeface="Wingdings" charset="2"/>
+              <a:buChar char="Ø"/>
+            </a:pPr>
+            <a:r>
+              <a:rPr lang="en-US" dirty="0" smtClean="0"/>
+              <a:t>Enter Grades</a:t>
+            </a:r>
+          </a:p>
+          <a:p>
+            <a:pPr lvl="1">
+              <a:buFont typeface="Wingdings" charset="2"/>
+              <a:buChar char="Ø"/>
+            </a:pPr>
+            <a:r>
+              <a:rPr lang="en-US" dirty="0" smtClean="0"/>
+              <a:t>Enter your grades for exams/ </a:t>
+            </a:r>
+            <a:r>
+              <a:rPr lang="en-US" dirty="0" err="1" smtClean="0"/>
+              <a:t>homeworks</a:t>
+            </a:r>
+            <a:r>
+              <a:rPr lang="en-US" dirty="0" smtClean="0"/>
+              <a:t>/ projects/ quizzes etc. throughout the semester</a:t>
+            </a:r>
+          </a:p>
+          <a:p>
+            <a:pPr lvl="1">
+              <a:buFont typeface="Wingdings" charset="2"/>
+              <a:buChar char="Ø"/>
+            </a:pPr>
+            <a:r>
+              <a:rPr lang="en-US" dirty="0" smtClean="0"/>
+              <a:t>Enter Final Grades</a:t>
+            </a:r>
+          </a:p>
+          <a:p>
+            <a:pPr>
+              <a:buFont typeface="Wingdings" charset="2"/>
+              <a:buChar char="Ø"/>
+            </a:pPr>
+            <a:r>
+              <a:rPr lang="en-US" dirty="0" smtClean="0"/>
+              <a:t>View Professors Stats</a:t>
+            </a:r>
+          </a:p>
+          <a:p>
+            <a:pPr lvl="1">
+              <a:buFont typeface="Wingdings" charset="2"/>
+              <a:buChar char="Ø"/>
+            </a:pPr>
+            <a:r>
+              <a:rPr lang="en-US" dirty="0" smtClean="0"/>
+              <a:t>Can view professors grade average for a certain class</a:t>
+            </a:r>
+          </a:p>
+          <a:p>
+            <a:pPr>
+              <a:buFont typeface="Wingdings" charset="2"/>
+              <a:buChar char="Ø"/>
+            </a:pPr>
+            <a:r>
+              <a:rPr lang="en-US" dirty="0" smtClean="0"/>
+              <a:t>Leave comments</a:t>
+            </a:r>
+          </a:p>
+          <a:p>
+            <a:pPr lvl="1">
+              <a:buFont typeface="Wingdings" charset="2"/>
+              <a:buChar char="Ø"/>
+            </a:pPr>
+            <a:r>
+              <a:rPr lang="en-US" dirty="0" smtClean="0"/>
+              <a:t>Leave comments about professors</a:t>
+            </a:r>
+          </a:p>
+          <a:p>
+            <a:pPr>
+              <a:buFont typeface="Wingdings" charset="2"/>
+              <a:buChar char="Ø"/>
+            </a:pPr>
+            <a:endParaRPr lang="en-US" dirty="0" smtClean="0"/>
+          </a:p>
+          <a:p>
+            <a:pPr>
+              <a:buFont typeface="Wingdings" charset="2"/>
+              <a:buChar char="Ø"/>
+            </a:pPr>
+            <a:endParaRPr lang="en-US" dirty="0" smtClean="0"/>
+          </a:p>
+          <a:p>
+            <a:pPr>
+              <a:buFont typeface="Wingdings" charset="2"/>
+              <a:buChar char="Ø"/>
+            </a:pPr>
+            <a:endParaRPr lang="en-US" dirty="0"/>
+          </a:p>
+        </p:txBody>
+      </p:sp>
+    </p:spTree>
+  </p:cSld>
+  <p:clrMapOvr>
+    <a:masterClrMapping/>
+  </p:clrMapOvr>
+</p:sld>
+</file>
+
+<file path=ppt/slides/slide5.xml><?xml version="1.0" encoding="utf-8"?>
+<p:sld xmlns:a="http://schemas.openxmlformats.org/drawingml/2006/main" xmlns:r="http://schemas.openxmlformats.org/officeDocument/2006/relationships" xmlns:mc="http://schemas.openxmlformats.org/markup-compatibility/2006" xmlns:mv="urn:schemas-microsoft-com:mac:vml" xmlns:p="http://schemas.openxmlformats.org/presentationml/2006/main" mc:Ignorable="mv" mc:PreserveAttributes="mv:*">
+  <p:cSld>
+    <p:spTree>
+      <p:nvGrpSpPr>
+        <p:cNvPr id="1" name=""/>
+        <p:cNvGrpSpPr/>
+        <p:nvPr/>
+      </p:nvGrpSpPr>
+      <p:grpSpPr>
+        <a:xfrm>
+          <a:off x="0" y="0"/>
+          <a:ext cx="0" cy="0"/>
+          <a:chOff x="0" y="0"/>
+          <a:chExt cx="0" cy="0"/>
+        </a:xfrm>
+      </p:grpSpPr>
+      <p:sp>
+        <p:nvSpPr>
+          <p:cNvPr id="2" name="Title 1"/>
+          <p:cNvSpPr>
+            <a:spLocks noGrp="1"/>
+          </p:cNvSpPr>
+          <p:nvPr>
+            <p:ph type="title"/>
+          </p:nvPr>
+        </p:nvSpPr>
+        <p:spPr/>
+        <p:txBody>
+          <a:bodyPr/>
+          <a:lstStyle/>
+          <a:p>
+            <a:r>
+              <a:rPr lang="en-US" dirty="0" smtClean="0"/>
+              <a:t>Use Case </a:t>
+            </a:r>
+            <a:r>
+              <a:rPr lang="en-US" dirty="0" smtClean="0"/>
+              <a:t>Diagram</a:t>
+            </a:r>
+            <a:endParaRPr lang="en-US" dirty="0"/>
+          </a:p>
+        </p:txBody>
+      </p:sp>
+      <p:pic>
+        <p:nvPicPr>
+          <p:cNvPr id="4" name="Content Placeholder 3" descr="Screen Shot 2015-09-16 at 9.17.16 PM.png"/>
+          <p:cNvPicPr>
+            <a:picLocks noGrp="1" noChangeAspect="1"/>
+          </p:cNvPicPr>
+          <p:nvPr>
+            <p:ph idx="1"/>
+          </p:nvPr>
+        </p:nvPicPr>
+        <p:blipFill>
+          <a:blip r:embed="rId3"/>
+          <a:stretch>
+            <a:fillRect/>
+          </a:stretch>
+        </p:blipFill>
+        <p:spPr>
+          <a:xfrm>
+            <a:off x="881612" y="2209800"/>
+            <a:ext cx="5659551" cy="3916363"/>
+          </a:xfrm>
+        </p:spPr>
+      </p:pic>
+    </p:spTree>
+  </p:cSld>
+  <p:clrMapOvr>
+    <a:masterClrMapping/>
+  </p:clrMapOvr>
+  <p:timing>
+    <p:tnLst>
+      <p:par>
+        <p:cTn id="1" dur="indefinite" restart="never" nodeType="tmRoot"/>
+      </p:par>
+    </p:tnLst>
+  </p:timing>
+</p:sld>
+</file>
+
+<file path=ppt/slides/slide6.xml><?xml version="1.0" encoding="utf-8"?>
+<p:sld xmlns:a="http://schemas.openxmlformats.org/drawingml/2006/main" xmlns:r="http://schemas.openxmlformats.org/officeDocument/2006/relationships" xmlns:mc="http://schemas.openxmlformats.org/markup-compatibility/2006" xmlns:mv="urn:schemas-microsoft-com:mac:vml" xmlns:p="http://schemas.openxmlformats.org/presentationml/2006/main" mc:Ignorable="mv" mc:PreserveAttributes="mv:*">
+  <p:cSld>
+    <p:spTree>
+      <p:nvGrpSpPr>
+        <p:cNvPr id="1" name=""/>
+        <p:cNvGrpSpPr/>
+        <p:nvPr/>
+      </p:nvGrpSpPr>
+      <p:grpSpPr>
+        <a:xfrm>
+          <a:off x="0" y="0"/>
+          <a:ext cx="0" cy="0"/>
+          <a:chOff x="0" y="0"/>
+          <a:chExt cx="0" cy="0"/>
+        </a:xfrm>
+      </p:grpSpPr>
+      <p:sp>
+        <p:nvSpPr>
+          <p:cNvPr id="2" name="Title 1"/>
+          <p:cNvSpPr>
+            <a:spLocks noGrp="1"/>
+          </p:cNvSpPr>
+          <p:nvPr>
+            <p:ph type="title"/>
+          </p:nvPr>
+        </p:nvSpPr>
+        <p:spPr/>
+        <p:txBody>
+          <a:bodyPr/>
+          <a:lstStyle/>
+          <a:p>
+            <a:r>
+              <a:rPr lang="en-US" dirty="0" smtClean="0"/>
+              <a:t>Class Diagrams</a:t>
+            </a:r>
+            <a:endParaRPr lang="en-US" dirty="0"/>
+          </a:p>
+        </p:txBody>
+      </p:sp>
+      <p:pic>
+        <p:nvPicPr>
+          <p:cNvPr id="4" name="Content Placeholder 3" descr="Screen Shot 2015-09-15 at 3.51.25 PM.png"/>
+          <p:cNvPicPr>
+            <a:picLocks noGrp="1" noChangeAspect="1"/>
+          </p:cNvPicPr>
+          <p:nvPr>
+            <p:ph idx="1"/>
+          </p:nvPr>
+        </p:nvPicPr>
+        <p:blipFill>
+          <a:blip r:embed="rId2"/>
+          <a:srcRect l="-12636" r="-12636"/>
+          <a:stretch>
+            <a:fillRect/>
+          </a:stretch>
+        </p:blipFill>
+        <p:spPr>
+          <a:xfrm>
+            <a:off x="725701" y="2057399"/>
+            <a:ext cx="7477172" cy="4499327"/>
+          </a:xfrm>
+        </p:spPr>
+      </p:pic>
+    </p:spTree>
+  </p:cSld>
+  <p:clrMapOvr>
+    <a:masterClrMapping/>
+  </p:clrMapOvr>
+  <p:timing>
+    <p:tnLst>
+      <p:par>
+        <p:cTn id="1" dur="indefinite" restart="never" nodeType="tmRoot"/>
+      </p:par>
+    </p:tnLst>
+  </p:timing>
+</p:sld>
+</file>
+
+<file path=ppt/slides/slide7.xml><?xml version="1.0" encoding="utf-8"?>
+<p:sld xmlns:a="http://schemas.openxmlformats.org/drawingml/2006/main" xmlns:r="http://schemas.openxmlformats.org/officeDocument/2006/relationships" xmlns:mc="http://schemas.openxmlformats.org/markup-compatibility/2006" xmlns:mv="urn:schemas-microsoft-com:mac:vml" xmlns:p="http://schemas.openxmlformats.org/presentationml/2006/main" mc:Ignorable="mv" mc:PreserveAttributes="mv:*">
+  <p:cSld>
+    <p:spTree>
+      <p:nvGrpSpPr>
+        <p:cNvPr id="1" name=""/>
+        <p:cNvGrpSpPr/>
+        <p:nvPr/>
+      </p:nvGrpSpPr>
+      <p:grpSpPr>
+        <a:xfrm>
+          <a:off x="0" y="0"/>
+          <a:ext cx="0" cy="0"/>
+          <a:chOff x="0" y="0"/>
+          <a:chExt cx="0" cy="0"/>
+        </a:xfrm>
+      </p:grpSpPr>
+      <p:sp>
+        <p:nvSpPr>
+          <p:cNvPr id="2" name="Title 1"/>
+          <p:cNvSpPr>
+            <a:spLocks noGrp="1"/>
+          </p:cNvSpPr>
+          <p:nvPr>
+            <p:ph type="title"/>
+          </p:nvPr>
+        </p:nvSpPr>
+        <p:spPr>
+          <a:xfrm>
+            <a:off x="457199" y="342900"/>
+            <a:ext cx="6508377" cy="1143000"/>
+          </a:xfrm>
+        </p:spPr>
+        <p:txBody>
+          <a:bodyPr/>
+          <a:lstStyle/>
+          <a:p>
+            <a:r>
+              <a:rPr lang="en-US" dirty="0" smtClean="0"/>
+              <a:t>Activity </a:t>
+            </a:r>
+            <a:r>
+              <a:rPr lang="en-US" dirty="0" smtClean="0"/>
+              <a:t>Diagram</a:t>
+            </a:r>
+            <a:br>
+              <a:rPr lang="en-US" dirty="0" smtClean="0"/>
+            </a:br>
+            <a:r>
+              <a:rPr lang="en-US" sz="2400" dirty="0" smtClean="0"/>
+              <a:t>Create Account</a:t>
+            </a:r>
+            <a:endParaRPr lang="en-US" sz="2400" dirty="0"/>
+          </a:p>
+        </p:txBody>
+      </p:sp>
+      <p:pic>
+        <p:nvPicPr>
+          <p:cNvPr id="4" name="Content Placeholder 3" descr="create_account.png"/>
+          <p:cNvPicPr>
+            <a:picLocks noGrp="1" noChangeAspect="1"/>
+          </p:cNvPicPr>
+          <p:nvPr>
+            <p:ph idx="1"/>
+          </p:nvPr>
+        </p:nvPicPr>
+        <p:blipFill>
+          <a:blip r:embed="rId2"/>
+          <a:srcRect l="-78570" r="-78570"/>
+          <a:stretch>
+            <a:fillRect/>
+          </a:stretch>
+        </p:blipFill>
+        <p:spPr>
+          <a:xfrm>
+            <a:off x="457199" y="1709110"/>
+            <a:ext cx="6508377" cy="4417053"/>
+          </a:xfrm>
+        </p:spPr>
+      </p:pic>
+    </p:spTree>
+  </p:cSld>
+  <p:clrMapOvr>
+    <a:masterClrMapping/>
+  </p:clrMapOvr>
+</p:sld>
+</file>
+
+<file path=ppt/slides/slide8.xml><?xml version="1.0" encoding="utf-8"?>
+<p:sld xmlns:a="http://schemas.openxmlformats.org/drawingml/2006/main" xmlns:r="http://schemas.openxmlformats.org/officeDocument/2006/relationships" xmlns:mc="http://schemas.openxmlformats.org/markup-compatibility/2006" xmlns:mv="urn:schemas-microsoft-com:mac:vml" xmlns:p="http://schemas.openxmlformats.org/presentationml/2006/main" mc:Ignorable="mv" mc:PreserveAttributes="mv:*">
+  <p:cSld>
+    <p:spTree>
+      <p:nvGrpSpPr>
+        <p:cNvPr id="1" name=""/>
+        <p:cNvGrpSpPr/>
+        <p:nvPr/>
+      </p:nvGrpSpPr>
+      <p:grpSpPr>
+        <a:xfrm>
+          <a:off x="0" y="0"/>
+          <a:ext cx="0" cy="0"/>
+          <a:chOff x="0" y="0"/>
+          <a:chExt cx="0" cy="0"/>
+        </a:xfrm>
+      </p:grpSpPr>
+      <p:sp>
+        <p:nvSpPr>
+          <p:cNvPr id="2" name="Title 1"/>
+          <p:cNvSpPr>
+            <a:spLocks noGrp="1"/>
+          </p:cNvSpPr>
+          <p:nvPr>
+            <p:ph type="title"/>
+          </p:nvPr>
+        </p:nvSpPr>
+        <p:spPr/>
+        <p:txBody>
+          <a:bodyPr anchor="ctr"/>
+          <a:lstStyle/>
+          <a:p>
+            <a:r>
+              <a:rPr lang="en-US" dirty="0" smtClean="0"/>
+              <a:t>Activity Diagram </a:t>
+            </a:r>
+            <a:br>
+              <a:rPr lang="en-US" dirty="0" smtClean="0"/>
+            </a:br>
+            <a:r>
+              <a:rPr lang="en-US" sz="2400" dirty="0" smtClean="0"/>
+              <a:t>Forgot Password</a:t>
+            </a:r>
+            <a:endParaRPr lang="en-US" sz="2400" dirty="0"/>
+          </a:p>
+        </p:txBody>
+      </p:sp>
+      <p:pic>
+        <p:nvPicPr>
+          <p:cNvPr id="4" name="Content Placeholder 3" descr="forgot_password.png"/>
+          <p:cNvPicPr>
+            <a:picLocks noGrp="1" noChangeAspect="1"/>
+          </p:cNvPicPr>
+          <p:nvPr>
+            <p:ph idx="1"/>
+          </p:nvPr>
+        </p:nvPicPr>
+        <p:blipFill>
+          <a:blip r:embed="rId2"/>
+          <a:srcRect l="-97308" r="-97308"/>
+          <a:stretch>
+            <a:fillRect/>
+          </a:stretch>
+        </p:blipFill>
+        <p:spPr/>
+      </p:pic>
+    </p:spTree>
+  </p:cSld>
+  <p:clrMapOvr>
+    <a:masterClrMapping/>
+  </p:clrMapOvr>
+</p:sld>
+</file>
+
+<file path=ppt/slides/slide9.xml><?xml version="1.0" encoding="utf-8"?>
+<p:sld xmlns:a="http://schemas.openxmlformats.org/drawingml/2006/main" xmlns:r="http://schemas.openxmlformats.org/officeDocument/2006/relationships" xmlns:mc="http://schemas.openxmlformats.org/markup-compatibility/2006" xmlns:mv="urn:schemas-microsoft-com:mac:vml" xmlns:p="http://schemas.openxmlformats.org/presentationml/2006/main" mc:Ignorable="mv" mc:PreserveAttributes="mv:*">
+  <p:cSld>
+    <p:spTree>
+      <p:nvGrpSpPr>
+        <p:cNvPr id="1" name=""/>
+        <p:cNvGrpSpPr/>
+        <p:nvPr/>
+      </p:nvGrpSpPr>
+      <p:grpSpPr>
+        <a:xfrm>
+          <a:off x="0" y="0"/>
+          <a:ext cx="0" cy="0"/>
+          <a:chOff x="0" y="0"/>
+          <a:chExt cx="0" cy="0"/>
+        </a:xfrm>
+      </p:grpSpPr>
+      <p:sp>
+        <p:nvSpPr>
+          <p:cNvPr id="2" name="Title 1"/>
+          <p:cNvSpPr>
+            <a:spLocks noGrp="1"/>
+          </p:cNvSpPr>
+          <p:nvPr>
+            <p:ph type="title"/>
+          </p:nvPr>
+        </p:nvSpPr>
+        <p:spPr>
+          <a:xfrm>
+            <a:off x="457199" y="342900"/>
+            <a:ext cx="6508377" cy="1143000"/>
+          </a:xfrm>
+        </p:spPr>
+        <p:txBody>
+          <a:bodyPr/>
+          <a:lstStyle/>
+          <a:p>
+            <a:r>
+              <a:rPr lang="en-US" dirty="0" smtClean="0"/>
+              <a:t>Activity Diagram</a:t>
+            </a:r>
+            <a:br>
+              <a:rPr lang="en-US" dirty="0" smtClean="0"/>
+            </a:br>
+            <a:r>
+              <a:rPr lang="en-US" sz="2800" dirty="0" smtClean="0"/>
+              <a:t>Enter Grades</a:t>
+            </a:r>
+            <a:endParaRPr lang="en-US" sz="2800" dirty="0"/>
+          </a:p>
+        </p:txBody>
+      </p:sp>
+      <p:pic>
+        <p:nvPicPr>
+          <p:cNvPr id="4" name="Content Placeholder 3" descr="enter_grades.png"/>
+          <p:cNvPicPr>
+            <a:picLocks noGrp="1" noChangeAspect="1"/>
+          </p:cNvPicPr>
+          <p:nvPr>
+            <p:ph idx="1"/>
+          </p:nvPr>
+        </p:nvPicPr>
+        <p:blipFill>
+          <a:blip r:embed="rId2"/>
+          <a:srcRect l="-107100" r="-107100"/>
+          <a:stretch>
+            <a:fillRect/>
+          </a:stretch>
+        </p:blipFill>
+        <p:spPr>
+          <a:xfrm>
+            <a:off x="457199" y="1705419"/>
+            <a:ext cx="6508377" cy="4640263"/>
+          </a:xfrm>
+        </p:spPr>
+      </p:pic>
     </p:spTree>
   </p:cSld>
   <p:clrMapOvr>

--- a/Documents/SeniorDesignRequirementsP1.pptx
+++ b/Documents/SeniorDesignRequirementsP1.pptx
@@ -206,7 +206,7 @@
             <a:fld id="{5AC5063D-32E8-6B44-B899-1C60BE1EE920}" type="datetimeFigureOut">
               <a:rPr lang="en-US" smtClean="0"/>
               <a:pPr/>
-              <a:t>9/15/15</a:t>
+              <a:t>9/17/15</a:t>
             </a:fld>
             <a:endParaRPr lang="en-US"/>
           </a:p>
@@ -948,7 +948,7 @@
             <a:fld id="{4C5E565A-2BBA-CA42-A2D4-B495352A9CB5}" type="datetimeFigureOut">
               <a:rPr lang="en-US" smtClean="0"/>
               <a:pPr/>
-              <a:t>9/15/15</a:t>
+              <a:t>9/17/15</a:t>
             </a:fld>
             <a:endParaRPr lang="en-US"/>
           </a:p>
@@ -1236,7 +1236,7 @@
             <a:fld id="{4C5E565A-2BBA-CA42-A2D4-B495352A9CB5}" type="datetimeFigureOut">
               <a:rPr lang="en-US" smtClean="0"/>
               <a:pPr/>
-              <a:t>9/15/15</a:t>
+              <a:t>9/17/15</a:t>
             </a:fld>
             <a:endParaRPr lang="en-US"/>
           </a:p>
@@ -1660,7 +1660,7 @@
             <a:fld id="{4C5E565A-2BBA-CA42-A2D4-B495352A9CB5}" type="datetimeFigureOut">
               <a:rPr lang="en-US" smtClean="0"/>
               <a:pPr/>
-              <a:t>9/15/15</a:t>
+              <a:t>9/17/15</a:t>
             </a:fld>
             <a:endParaRPr lang="en-US"/>
           </a:p>
@@ -2079,7 +2079,7 @@
             <a:fld id="{4C5E565A-2BBA-CA42-A2D4-B495352A9CB5}" type="datetimeFigureOut">
               <a:rPr lang="en-US" smtClean="0"/>
               <a:pPr/>
-              <a:t>9/15/15</a:t>
+              <a:t>9/17/15</a:t>
             </a:fld>
             <a:endParaRPr lang="en-US"/>
           </a:p>
@@ -2214,7 +2214,7 @@
             <a:fld id="{4C5E565A-2BBA-CA42-A2D4-B495352A9CB5}" type="datetimeFigureOut">
               <a:rPr lang="en-US" smtClean="0"/>
               <a:pPr/>
-              <a:t>9/15/15</a:t>
+              <a:t>9/17/15</a:t>
             </a:fld>
             <a:endParaRPr lang="en-US"/>
           </a:p>
@@ -2535,7 +2535,7 @@
             <a:fld id="{4C5E565A-2BBA-CA42-A2D4-B495352A9CB5}" type="datetimeFigureOut">
               <a:rPr lang="en-US" smtClean="0"/>
               <a:pPr/>
-              <a:t>9/15/15</a:t>
+              <a:t>9/17/15</a:t>
             </a:fld>
             <a:endParaRPr lang="en-US"/>
           </a:p>
@@ -2778,7 +2778,7 @@
             <a:fld id="{4C5E565A-2BBA-CA42-A2D4-B495352A9CB5}" type="datetimeFigureOut">
               <a:rPr lang="en-US" smtClean="0"/>
               <a:pPr/>
-              <a:t>9/15/15</a:t>
+              <a:t>9/17/15</a:t>
             </a:fld>
             <a:endParaRPr lang="en-US"/>
           </a:p>
@@ -3115,7 +3115,7 @@
             <a:fld id="{4C5E565A-2BBA-CA42-A2D4-B495352A9CB5}" type="datetimeFigureOut">
               <a:rPr lang="en-US" smtClean="0"/>
               <a:pPr/>
-              <a:t>9/15/15</a:t>
+              <a:t>9/17/15</a:t>
             </a:fld>
             <a:endParaRPr lang="en-US"/>
           </a:p>
@@ -3414,7 +3414,7 @@
             <a:fld id="{4C5E565A-2BBA-CA42-A2D4-B495352A9CB5}" type="datetimeFigureOut">
               <a:rPr lang="en-US" smtClean="0"/>
               <a:pPr/>
-              <a:t>9/15/15</a:t>
+              <a:t>9/17/15</a:t>
             </a:fld>
             <a:endParaRPr lang="en-US"/>
           </a:p>
@@ -3819,7 +3819,7 @@
             <a:fld id="{4C5E565A-2BBA-CA42-A2D4-B495352A9CB5}" type="datetimeFigureOut">
               <a:rPr lang="en-US" smtClean="0"/>
               <a:pPr/>
-              <a:t>9/15/15</a:t>
+              <a:t>9/17/15</a:t>
             </a:fld>
             <a:endParaRPr lang="en-US"/>
           </a:p>
@@ -4039,7 +4039,7 @@
             <a:fld id="{4C5E565A-2BBA-CA42-A2D4-B495352A9CB5}" type="datetimeFigureOut">
               <a:rPr lang="en-US" smtClean="0"/>
               <a:pPr/>
-              <a:t>9/15/15</a:t>
+              <a:t>9/17/15</a:t>
             </a:fld>
             <a:endParaRPr lang="en-US"/>
           </a:p>
@@ -4254,7 +4254,7 @@
             <a:fld id="{4C5E565A-2BBA-CA42-A2D4-B495352A9CB5}" type="datetimeFigureOut">
               <a:rPr lang="en-US" smtClean="0"/>
               <a:pPr/>
-              <a:t>9/15/15</a:t>
+              <a:t>9/17/15</a:t>
             </a:fld>
             <a:endParaRPr lang="en-US"/>
           </a:p>
@@ -4561,7 +4561,7 @@
             <a:fld id="{4C5E565A-2BBA-CA42-A2D4-B495352A9CB5}" type="datetimeFigureOut">
               <a:rPr lang="en-US" smtClean="0"/>
               <a:pPr/>
-              <a:t>9/15/15</a:t>
+              <a:t>9/17/15</a:t>
             </a:fld>
             <a:endParaRPr lang="en-US"/>
           </a:p>
@@ -4886,7 +4886,7 @@
             <a:fld id="{4C5E565A-2BBA-CA42-A2D4-B495352A9CB5}" type="datetimeFigureOut">
               <a:rPr lang="en-US" smtClean="0"/>
               <a:pPr/>
-              <a:t>9/15/15</a:t>
+              <a:t>9/17/15</a:t>
             </a:fld>
             <a:endParaRPr lang="en-US"/>
           </a:p>
@@ -5220,7 +5220,7 @@
             <a:fld id="{4C5E565A-2BBA-CA42-A2D4-B495352A9CB5}" type="datetimeFigureOut">
               <a:rPr lang="en-US" smtClean="0"/>
               <a:pPr/>
-              <a:t>9/15/15</a:t>
+              <a:t>9/17/15</a:t>
             </a:fld>
             <a:endParaRPr lang="en-US"/>
           </a:p>
@@ -5843,7 +5843,7 @@
             <a:fld id="{4C5E565A-2BBA-CA42-A2D4-B495352A9CB5}" type="datetimeFigureOut">
               <a:rPr lang="en-US" smtClean="0"/>
               <a:pPr/>
-              <a:t>9/15/15</a:t>
+              <a:t>9/17/15</a:t>
             </a:fld>
             <a:endParaRPr lang="en-US"/>
           </a:p>
@@ -6332,7 +6332,7 @@
             <a:fld id="{4C5E565A-2BBA-CA42-A2D4-B495352A9CB5}" type="datetimeFigureOut">
               <a:rPr lang="en-US" smtClean="0"/>
               <a:pPr/>
-              <a:t>9/15/15</a:t>
+              <a:t>9/17/15</a:t>
             </a:fld>
             <a:endParaRPr lang="en-US"/>
           </a:p>
@@ -6582,7 +6582,7 @@
             <a:fld id="{4C5E565A-2BBA-CA42-A2D4-B495352A9CB5}" type="datetimeFigureOut">
               <a:rPr lang="en-US" smtClean="0"/>
               <a:pPr/>
-              <a:t>9/15/15</a:t>
+              <a:t>9/17/15</a:t>
             </a:fld>
             <a:endParaRPr lang="en-US"/>
           </a:p>
@@ -6880,7 +6880,7 @@
             <a:fld id="{4C5E565A-2BBA-CA42-A2D4-B495352A9CB5}" type="datetimeFigureOut">
               <a:rPr lang="en-US" smtClean="0"/>
               <a:pPr/>
-              <a:t>9/15/15</a:t>
+              <a:t>9/17/15</a:t>
             </a:fld>
             <a:endParaRPr lang="en-US"/>
           </a:p>
@@ -7292,16 +7292,25 @@
             <p:ph type="ctrTitle"/>
           </p:nvPr>
         </p:nvSpPr>
-        <p:spPr/>
+        <p:spPr>
+          <a:xfrm>
+            <a:off x="3200400" y="4599224"/>
+            <a:ext cx="5458968" cy="1048684"/>
+          </a:xfrm>
+        </p:spPr>
         <p:txBody>
           <a:bodyPr>
-            <a:normAutofit/>
+            <a:normAutofit fontScale="90000"/>
           </a:bodyPr>
           <a:lstStyle/>
           <a:p>
             <a:r>
               <a:rPr lang="en-US" dirty="0" smtClean="0"/>
-              <a:t>Drop  </a:t>
+              <a:t>Drop </a:t>
+            </a:r>
+            <a:r>
+              <a:rPr lang="en-US" dirty="0" smtClean="0"/>
+              <a:t>  </a:t>
             </a:r>
             <a:r>
               <a:rPr lang="en-US" dirty="0" err="1" smtClean="0"/>
@@ -7309,7 +7318,22 @@
             </a:r>
             <a:r>
               <a:rPr lang="en-US" dirty="0" smtClean="0"/>
-              <a:t>     de</a:t>
+              <a:t>  </a:t>
+            </a:r>
+            <a:r>
+              <a:rPr lang="en-US" dirty="0" smtClean="0"/>
+              <a:t>   de</a:t>
+            </a:r>
+            <a:br>
+              <a:rPr lang="en-US" dirty="0" smtClean="0"/>
+            </a:br>
+            <a:r>
+              <a:rPr lang="en-US" sz="2000" dirty="0" smtClean="0"/>
+              <a:t/>
+            </a:r>
+            <a:r>
+              <a:rPr lang="en-US" sz="2800" dirty="0" smtClean="0"/>
+              <a:t>Requirements Presentation</a:t>
             </a:r>
             <a:endParaRPr lang="en-US" dirty="0"/>
           </a:p>
@@ -7325,28 +7349,35 @@
             <p:ph type="subTitle" idx="1"/>
           </p:nvPr>
         </p:nvSpPr>
-        <p:spPr/>
-        <p:txBody>
-          <a:bodyPr/>
-          <a:lstStyle/>
-          <a:p>
-            <a:r>
-              <a:rPr lang="en-US" dirty="0" smtClean="0"/>
+        <p:spPr>
+          <a:xfrm>
+            <a:off x="3355905" y="5879592"/>
+            <a:ext cx="5458968" cy="621792"/>
+          </a:xfrm>
+        </p:spPr>
+        <p:txBody>
+          <a:bodyPr>
+            <a:noAutofit/>
+          </a:bodyPr>
+          <a:lstStyle/>
+          <a:p>
+            <a:r>
+              <a:rPr lang="en-US" sz="1800" dirty="0" smtClean="0"/>
               <a:t>Madison McHam, Alan </a:t>
             </a:r>
             <a:r>
-              <a:rPr lang="en-US" dirty="0" err="1" smtClean="0"/>
+              <a:rPr lang="en-US" sz="1800" dirty="0" err="1" smtClean="0"/>
               <a:t>Donham</a:t>
             </a:r>
             <a:r>
-              <a:rPr lang="en-US" dirty="0" smtClean="0"/>
+              <a:rPr lang="en-US" sz="1800" dirty="0" smtClean="0"/>
               <a:t>, Shane Peters, Nick </a:t>
             </a:r>
             <a:r>
-              <a:rPr lang="en-US" dirty="0" err="1" smtClean="0"/>
+              <a:rPr lang="en-US" sz="1800" dirty="0" err="1" smtClean="0"/>
               <a:t>Levert</a:t>
             </a:r>
-            <a:endParaRPr lang="en-US" dirty="0"/>
+            <a:endParaRPr lang="en-US" sz="1800" dirty="0"/>
           </a:p>
         </p:txBody>
       </p:sp>
@@ -7366,8 +7397,8 @@
         </p:blipFill>
         <p:spPr>
           <a:xfrm>
-            <a:off x="5658002" y="4477021"/>
-            <a:ext cx="843318" cy="780592"/>
+            <a:off x="5637045" y="4599224"/>
+            <a:ext cx="631018" cy="584083"/>
           </a:xfrm>
           <a:prstGeom prst="rect">
             <a:avLst/>
@@ -8266,11 +8297,7 @@
           <a:p>
             <a:r>
               <a:rPr lang="en-US" dirty="0" smtClean="0"/>
-              <a:t>Student update final grades into the database with false information</a:t>
-            </a:r>
-            <a:r>
-              <a:rPr lang="en-US" dirty="0" smtClean="0"/>
-              <a:t> </a:t>
+              <a:t>Student update final grades into the database with false information </a:t>
             </a:r>
           </a:p>
           <a:p>
@@ -8279,20 +8306,11 @@
               <a:rPr lang="en-US" dirty="0" smtClean="0"/>
               <a:t>Also forgetting to upload their final grades</a:t>
             </a:r>
-            <a:endParaRPr lang="en-US" dirty="0" smtClean="0"/>
           </a:p>
           <a:p>
             <a:r>
               <a:rPr lang="en-US" dirty="0" smtClean="0"/>
-              <a:t>Unable to gather and store all </a:t>
-            </a:r>
-            <a:r>
-              <a:rPr lang="en-US" dirty="0" smtClean="0"/>
-              <a:t>the data collected in a way that will allow us to provide useful statistics to the user very quickly and in real time.</a:t>
-            </a:r>
-            <a:r>
-              <a:rPr lang="en-US" dirty="0" smtClean="0"/>
-              <a:t> </a:t>
+              <a:t>Unable to gather and store all the data collected in a way that will allow us to provide useful statistics to the user very quickly and in real time. </a:t>
             </a:r>
           </a:p>
           <a:p>
@@ -8307,7 +8325,6 @@
               <a:rPr lang="en-US" dirty="0" smtClean="0"/>
               <a:t>Students leaving negative comments about a teacher</a:t>
             </a:r>
-            <a:endParaRPr lang="en-US" dirty="0" smtClean="0"/>
           </a:p>
           <a:p>
             <a:pPr lvl="1"/>
@@ -8747,41 +8764,32 @@
             <a:pPr algn="ctr"/>
             <a:r>
               <a:rPr lang="en-US" sz="2400" dirty="0" smtClean="0"/>
-              <a:t>D</a:t>
+              <a:t>Develop</a:t>
             </a:r>
             <a:r>
               <a:rPr lang="en-US" sz="2400" dirty="0" smtClean="0"/>
-              <a:t>evelop the </a:t>
-            </a:r>
-            <a:r>
-              <a:rPr lang="en-US" sz="2400" dirty="0" err="1" smtClean="0"/>
-              <a:t>DropGrade</a:t>
+              <a:t> an app </a:t>
             </a:r>
             <a:r>
               <a:rPr lang="en-US" sz="2400" dirty="0" smtClean="0"/>
-              <a:t> app that will </a:t>
+              <a:t>that will</a:t>
             </a:r>
             <a:r>
               <a:rPr lang="en-US" sz="2400" dirty="0" smtClean="0"/>
-              <a:t>benefit all</a:t>
+              <a:t> be </a:t>
             </a:r>
             <a:r>
               <a:rPr lang="en-US" sz="2400" dirty="0" smtClean="0"/>
-              <a:t> The </a:t>
+              <a:t>easy to </a:t>
             </a:r>
             <a:r>
               <a:rPr lang="en-US" sz="2400" dirty="0" smtClean="0"/>
-              <a:t>University of Alabama </a:t>
+              <a:t>use and benefit </a:t>
             </a:r>
             <a:r>
               <a:rPr lang="en-US" sz="2400" dirty="0" smtClean="0"/>
-              <a:t>students and minimize the stresses of </a:t>
-            </a:r>
-            <a:r>
-              <a:rPr lang="en-US" sz="2400" dirty="0" smtClean="0"/>
-              <a:t>College</a:t>
-            </a:r>
-            <a:endParaRPr lang="en-US" sz="2400" dirty="0" smtClean="0"/>
+              <a:t>all The University of Alabama students and minimize the stresses of College</a:t>
+            </a:r>
           </a:p>
           <a:p>
             <a:endParaRPr lang="en-US" dirty="0"/>
@@ -8896,11 +8904,7 @@
             </a:pPr>
             <a:r>
               <a:rPr lang="en-US" dirty="0" smtClean="0"/>
-              <a:t>Add </a:t>
-            </a:r>
-            <a:r>
-              <a:rPr lang="en-US" dirty="0" smtClean="0"/>
-              <a:t>Course /Edit Course </a:t>
+              <a:t>Add Course /Edit Course </a:t>
             </a:r>
           </a:p>
           <a:p>
@@ -8910,11 +8914,7 @@
             </a:pPr>
             <a:r>
               <a:rPr lang="en-US" dirty="0" smtClean="0"/>
-              <a:t>Add information about your </a:t>
-            </a:r>
-            <a:r>
-              <a:rPr lang="en-US" dirty="0" smtClean="0"/>
-              <a:t>courses</a:t>
+              <a:t>Add information about your courses</a:t>
             </a:r>
           </a:p>
           <a:p>
@@ -9070,11 +9070,7 @@
           <a:p>
             <a:r>
               <a:rPr lang="en-US" dirty="0" smtClean="0"/>
-              <a:t>Use Case </a:t>
-            </a:r>
-            <a:r>
-              <a:rPr lang="en-US" dirty="0" smtClean="0"/>
-              <a:t>Diagram</a:t>
+              <a:t>Use Case Diagram</a:t>
             </a:r>
             <a:endParaRPr lang="en-US" dirty="0"/>
           </a:p>
@@ -9236,11 +9232,7 @@
           <a:p>
             <a:r>
               <a:rPr lang="en-US" dirty="0" smtClean="0"/>
-              <a:t>Activity </a:t>
-            </a:r>
-            <a:r>
-              <a:rPr lang="en-US" dirty="0" smtClean="0"/>
-              <a:t>Diagram</a:t>
+              <a:t>Activity Diagram</a:t>
             </a:r>
             <a:br>
               <a:rPr lang="en-US" dirty="0" smtClean="0"/>
